--- a/Sample_12.pptx
+++ b/Sample_12.pptx
@@ -6,7 +6,7 @@
     <p:sldMasterId id="2147484257" r:id="rId2"/>
   </p:sldMasterIdLst>
   <p:notesMasterIdLst>
-    <p:notesMasterId r:id="rId13"/>
+    <p:notesMasterId r:id="rId14"/>
   </p:notesMasterIdLst>
   <p:sldIdLst>
     <p:sldId id="256" r:id="rId3"/>
@@ -19,6 +19,7 @@
     <p:sldId id="261" r:id="rId10"/>
     <p:sldId id="262" r:id="rId11"/>
     <p:sldId id="263" r:id="rId12"/>
+    <p:sldId id="266" r:id="rId13"/>
   </p:sldIdLst>
   <p:sldSz cx="9144000" cy="6858000" type="screen4x3"/>
   <p:notesSz cx="6858000" cy="9144000"/>
@@ -166,71 +167,7 @@
     </mc:Fallback>
   </mc:AlternateContent>
   <c:chart>
-    <c:title>
-      <c:tx>
-        <c:rich>
-          <a:bodyPr rot="0" spcFirstLastPara="1" vertOverflow="ellipsis" vert="horz" wrap="square" anchor="ctr" anchorCtr="1"/>
-          <a:lstStyle/>
-          <a:p>
-            <a:pPr>
-              <a:defRPr sz="1862" b="0" i="0" u="none" strike="noStrike" kern="1200" spc="0" baseline="0">
-                <a:solidFill>
-                  <a:schemeClr val="tx1">
-                    <a:lumMod val="65000"/>
-                    <a:lumOff val="35000"/>
-                  </a:schemeClr>
-                </a:solidFill>
-                <a:latin typeface="+mn-lt"/>
-                <a:ea typeface="+mn-ea"/>
-                <a:cs typeface="+mn-cs"/>
-              </a:defRPr>
-            </a:pPr>
-            <a:r>
-              <a:rPr lang="en-US" dirty="0">
-                <a:solidFill>
-                  <a:srgbClr val="FFFF00"/>
-                </a:solidFill>
-              </a:rPr>
-              <a:t>Chart</a:t>
-            </a:r>
-            <a:endParaRPr lang="he-IL" dirty="0">
-              <a:solidFill>
-                <a:srgbClr val="FFFF00"/>
-              </a:solidFill>
-            </a:endParaRPr>
-          </a:p>
-        </c:rich>
-      </c:tx>
-      <c:overlay val="0"/>
-      <c:spPr>
-        <a:noFill/>
-        <a:ln>
-          <a:noFill/>
-        </a:ln>
-        <a:effectLst/>
-      </c:spPr>
-      <c:txPr>
-        <a:bodyPr rot="0" spcFirstLastPara="1" vertOverflow="ellipsis" vert="horz" wrap="square" anchor="ctr" anchorCtr="1"/>
-        <a:lstStyle/>
-        <a:p>
-          <a:pPr>
-            <a:defRPr sz="1862" b="0" i="0" u="none" strike="noStrike" kern="1200" spc="0" baseline="0">
-              <a:solidFill>
-                <a:schemeClr val="tx1">
-                  <a:lumMod val="65000"/>
-                  <a:lumOff val="35000"/>
-                </a:schemeClr>
-              </a:solidFill>
-              <a:latin typeface="+mn-lt"/>
-              <a:ea typeface="+mn-ea"/>
-              <a:cs typeface="+mn-cs"/>
-            </a:defRPr>
-          </a:pPr>
-          <a:endParaRPr lang="he-IL"/>
-        </a:p>
-      </c:txPr>
-    </c:title>
-    <c:autoTitleDeleted val="0"/>
+    <c:autoTitleDeleted val="1"/>
     <c:plotArea>
       <c:layout/>
       <c:barChart>
@@ -3273,6 +3210,3481 @@
 </cs:chartStyle>
 </file>
 
+<file path=ppt/diagrams/colors1.xml><?xml version="1.0" encoding="utf-8"?>
+<dgm:colorsDef xmlns:dgm="http://schemas.openxmlformats.org/drawingml/2006/diagram" xmlns:a="http://schemas.openxmlformats.org/drawingml/2006/main" uniqueId="urn:microsoft.com/office/officeart/2005/8/colors/accent1_2">
+  <dgm:title val=""/>
+  <dgm:desc val=""/>
+  <dgm:catLst>
+    <dgm:cat type="accent1" pri="11200"/>
+  </dgm:catLst>
+  <dgm:styleLbl name="node0">
+    <dgm:fillClrLst meth="repeat">
+      <a:schemeClr val="accent1"/>
+    </dgm:fillClrLst>
+    <dgm:linClrLst meth="repeat">
+      <a:schemeClr val="lt1"/>
+    </dgm:linClrLst>
+    <dgm:effectClrLst/>
+    <dgm:txLinClrLst/>
+    <dgm:txFillClrLst/>
+    <dgm:txEffectClrLst/>
+  </dgm:styleLbl>
+  <dgm:styleLbl name="alignNode1">
+    <dgm:fillClrLst meth="repeat">
+      <a:schemeClr val="accent1"/>
+    </dgm:fillClrLst>
+    <dgm:linClrLst meth="repeat">
+      <a:schemeClr val="accent1"/>
+    </dgm:linClrLst>
+    <dgm:effectClrLst/>
+    <dgm:txLinClrLst/>
+    <dgm:txFillClrLst/>
+    <dgm:txEffectClrLst/>
+  </dgm:styleLbl>
+  <dgm:styleLbl name="node1">
+    <dgm:fillClrLst meth="repeat">
+      <a:schemeClr val="accent1"/>
+    </dgm:fillClrLst>
+    <dgm:linClrLst meth="repeat">
+      <a:schemeClr val="lt1"/>
+    </dgm:linClrLst>
+    <dgm:effectClrLst/>
+    <dgm:txLinClrLst/>
+    <dgm:txFillClrLst/>
+    <dgm:txEffectClrLst/>
+  </dgm:styleLbl>
+  <dgm:styleLbl name="lnNode1">
+    <dgm:fillClrLst meth="repeat">
+      <a:schemeClr val="accent1"/>
+    </dgm:fillClrLst>
+    <dgm:linClrLst meth="repeat">
+      <a:schemeClr val="lt1"/>
+    </dgm:linClrLst>
+    <dgm:effectClrLst/>
+    <dgm:txLinClrLst/>
+    <dgm:txFillClrLst/>
+    <dgm:txEffectClrLst/>
+  </dgm:styleLbl>
+  <dgm:styleLbl name="vennNode1">
+    <dgm:fillClrLst meth="repeat">
+      <a:schemeClr val="accent1">
+        <a:alpha val="50000"/>
+      </a:schemeClr>
+    </dgm:fillClrLst>
+    <dgm:linClrLst meth="repeat">
+      <a:schemeClr val="lt1"/>
+    </dgm:linClrLst>
+    <dgm:effectClrLst/>
+    <dgm:txLinClrLst/>
+    <dgm:txFillClrLst/>
+    <dgm:txEffectClrLst/>
+  </dgm:styleLbl>
+  <dgm:styleLbl name="node2">
+    <dgm:fillClrLst meth="repeat">
+      <a:schemeClr val="accent1"/>
+    </dgm:fillClrLst>
+    <dgm:linClrLst meth="repeat">
+      <a:schemeClr val="lt1"/>
+    </dgm:linClrLst>
+    <dgm:effectClrLst/>
+    <dgm:txLinClrLst/>
+    <dgm:txFillClrLst/>
+    <dgm:txEffectClrLst/>
+  </dgm:styleLbl>
+  <dgm:styleLbl name="node3">
+    <dgm:fillClrLst meth="repeat">
+      <a:schemeClr val="accent1"/>
+    </dgm:fillClrLst>
+    <dgm:linClrLst meth="repeat">
+      <a:schemeClr val="lt1"/>
+    </dgm:linClrLst>
+    <dgm:effectClrLst/>
+    <dgm:txLinClrLst/>
+    <dgm:txFillClrLst/>
+    <dgm:txEffectClrLst/>
+  </dgm:styleLbl>
+  <dgm:styleLbl name="node4">
+    <dgm:fillClrLst meth="repeat">
+      <a:schemeClr val="accent1"/>
+    </dgm:fillClrLst>
+    <dgm:linClrLst meth="repeat">
+      <a:schemeClr val="lt1"/>
+    </dgm:linClrLst>
+    <dgm:effectClrLst/>
+    <dgm:txLinClrLst/>
+    <dgm:txFillClrLst/>
+    <dgm:txEffectClrLst/>
+  </dgm:styleLbl>
+  <dgm:styleLbl name="fgImgPlace1">
+    <dgm:fillClrLst meth="repeat">
+      <a:schemeClr val="accent1">
+        <a:tint val="50000"/>
+      </a:schemeClr>
+    </dgm:fillClrLst>
+    <dgm:linClrLst meth="repeat">
+      <a:schemeClr val="lt1"/>
+    </dgm:linClrLst>
+    <dgm:effectClrLst/>
+    <dgm:txLinClrLst/>
+    <dgm:txFillClrLst meth="repeat">
+      <a:schemeClr val="lt1"/>
+    </dgm:txFillClrLst>
+    <dgm:txEffectClrLst/>
+  </dgm:styleLbl>
+  <dgm:styleLbl name="alignImgPlace1">
+    <dgm:fillClrLst meth="repeat">
+      <a:schemeClr val="accent1">
+        <a:tint val="50000"/>
+      </a:schemeClr>
+    </dgm:fillClrLst>
+    <dgm:linClrLst meth="repeat">
+      <a:schemeClr val="lt1"/>
+    </dgm:linClrLst>
+    <dgm:effectClrLst/>
+    <dgm:txLinClrLst/>
+    <dgm:txFillClrLst meth="repeat">
+      <a:schemeClr val="lt1"/>
+    </dgm:txFillClrLst>
+    <dgm:txEffectClrLst/>
+  </dgm:styleLbl>
+  <dgm:styleLbl name="bgImgPlace1">
+    <dgm:fillClrLst meth="repeat">
+      <a:schemeClr val="accent1">
+        <a:tint val="50000"/>
+      </a:schemeClr>
+    </dgm:fillClrLst>
+    <dgm:linClrLst meth="repeat">
+      <a:schemeClr val="lt1"/>
+    </dgm:linClrLst>
+    <dgm:effectClrLst/>
+    <dgm:txLinClrLst/>
+    <dgm:txFillClrLst meth="repeat">
+      <a:schemeClr val="lt1"/>
+    </dgm:txFillClrLst>
+    <dgm:txEffectClrLst/>
+  </dgm:styleLbl>
+  <dgm:styleLbl name="sibTrans2D1">
+    <dgm:fillClrLst meth="repeat">
+      <a:schemeClr val="accent1">
+        <a:tint val="60000"/>
+      </a:schemeClr>
+    </dgm:fillClrLst>
+    <dgm:linClrLst meth="repeat">
+      <a:schemeClr val="accent1">
+        <a:tint val="60000"/>
+      </a:schemeClr>
+    </dgm:linClrLst>
+    <dgm:effectClrLst/>
+    <dgm:txLinClrLst/>
+    <dgm:txFillClrLst/>
+    <dgm:txEffectClrLst/>
+  </dgm:styleLbl>
+  <dgm:styleLbl name="fgSibTrans2D1">
+    <dgm:fillClrLst meth="repeat">
+      <a:schemeClr val="accent1">
+        <a:tint val="60000"/>
+      </a:schemeClr>
+    </dgm:fillClrLst>
+    <dgm:linClrLst meth="repeat">
+      <a:schemeClr val="accent1">
+        <a:tint val="60000"/>
+      </a:schemeClr>
+    </dgm:linClrLst>
+    <dgm:effectClrLst/>
+    <dgm:txLinClrLst/>
+    <dgm:txFillClrLst/>
+    <dgm:txEffectClrLst/>
+  </dgm:styleLbl>
+  <dgm:styleLbl name="bgSibTrans2D1">
+    <dgm:fillClrLst meth="repeat">
+      <a:schemeClr val="accent1">
+        <a:tint val="60000"/>
+      </a:schemeClr>
+    </dgm:fillClrLst>
+    <dgm:linClrLst meth="repeat">
+      <a:schemeClr val="accent1">
+        <a:tint val="60000"/>
+      </a:schemeClr>
+    </dgm:linClrLst>
+    <dgm:effectClrLst/>
+    <dgm:txLinClrLst/>
+    <dgm:txFillClrLst/>
+    <dgm:txEffectClrLst/>
+  </dgm:styleLbl>
+  <dgm:styleLbl name="sibTrans1D1">
+    <dgm:fillClrLst meth="repeat">
+      <a:schemeClr val="accent1"/>
+    </dgm:fillClrLst>
+    <dgm:linClrLst meth="repeat">
+      <a:schemeClr val="accent1"/>
+    </dgm:linClrLst>
+    <dgm:effectClrLst/>
+    <dgm:txLinClrLst/>
+    <dgm:txFillClrLst meth="repeat">
+      <a:schemeClr val="tx1"/>
+    </dgm:txFillClrLst>
+    <dgm:txEffectClrLst/>
+  </dgm:styleLbl>
+  <dgm:styleLbl name="callout">
+    <dgm:fillClrLst meth="repeat">
+      <a:schemeClr val="accent1"/>
+    </dgm:fillClrLst>
+    <dgm:linClrLst meth="repeat">
+      <a:schemeClr val="accent1">
+        <a:tint val="50000"/>
+      </a:schemeClr>
+    </dgm:linClrLst>
+    <dgm:effectClrLst/>
+    <dgm:txLinClrLst/>
+    <dgm:txFillClrLst meth="repeat">
+      <a:schemeClr val="tx1"/>
+    </dgm:txFillClrLst>
+    <dgm:txEffectClrLst/>
+  </dgm:styleLbl>
+  <dgm:styleLbl name="asst0">
+    <dgm:fillClrLst meth="repeat">
+      <a:schemeClr val="accent1"/>
+    </dgm:fillClrLst>
+    <dgm:linClrLst meth="repeat">
+      <a:schemeClr val="lt1"/>
+    </dgm:linClrLst>
+    <dgm:effectClrLst/>
+    <dgm:txLinClrLst/>
+    <dgm:txFillClrLst/>
+    <dgm:txEffectClrLst/>
+  </dgm:styleLbl>
+  <dgm:styleLbl name="asst1">
+    <dgm:fillClrLst meth="repeat">
+      <a:schemeClr val="accent1"/>
+    </dgm:fillClrLst>
+    <dgm:linClrLst meth="repeat">
+      <a:schemeClr val="lt1"/>
+    </dgm:linClrLst>
+    <dgm:effectClrLst/>
+    <dgm:txLinClrLst/>
+    <dgm:txFillClrLst/>
+    <dgm:txEffectClrLst/>
+  </dgm:styleLbl>
+  <dgm:styleLbl name="asst2">
+    <dgm:fillClrLst meth="repeat">
+      <a:schemeClr val="accent1"/>
+    </dgm:fillClrLst>
+    <dgm:linClrLst meth="repeat">
+      <a:schemeClr val="lt1"/>
+    </dgm:linClrLst>
+    <dgm:effectClrLst/>
+    <dgm:txLinClrLst/>
+    <dgm:txFillClrLst/>
+    <dgm:txEffectClrLst/>
+  </dgm:styleLbl>
+  <dgm:styleLbl name="asst3">
+    <dgm:fillClrLst meth="repeat">
+      <a:schemeClr val="accent1"/>
+    </dgm:fillClrLst>
+    <dgm:linClrLst meth="repeat">
+      <a:schemeClr val="lt1"/>
+    </dgm:linClrLst>
+    <dgm:effectClrLst/>
+    <dgm:txLinClrLst/>
+    <dgm:txFillClrLst/>
+    <dgm:txEffectClrLst/>
+  </dgm:styleLbl>
+  <dgm:styleLbl name="asst4">
+    <dgm:fillClrLst meth="repeat">
+      <a:schemeClr val="accent1"/>
+    </dgm:fillClrLst>
+    <dgm:linClrLst meth="repeat">
+      <a:schemeClr val="lt1"/>
+    </dgm:linClrLst>
+    <dgm:effectClrLst/>
+    <dgm:txLinClrLst/>
+    <dgm:txFillClrLst/>
+    <dgm:txEffectClrLst/>
+  </dgm:styleLbl>
+  <dgm:styleLbl name="parChTrans2D1">
+    <dgm:fillClrLst meth="repeat">
+      <a:schemeClr val="accent1">
+        <a:tint val="60000"/>
+      </a:schemeClr>
+    </dgm:fillClrLst>
+    <dgm:linClrLst meth="repeat">
+      <a:schemeClr val="accent1">
+        <a:tint val="60000"/>
+      </a:schemeClr>
+    </dgm:linClrLst>
+    <dgm:effectClrLst/>
+    <dgm:txLinClrLst/>
+    <dgm:txFillClrLst meth="repeat">
+      <a:schemeClr val="lt1"/>
+    </dgm:txFillClrLst>
+    <dgm:txEffectClrLst/>
+  </dgm:styleLbl>
+  <dgm:styleLbl name="parChTrans2D2">
+    <dgm:fillClrLst meth="repeat">
+      <a:schemeClr val="accent1"/>
+    </dgm:fillClrLst>
+    <dgm:linClrLst meth="repeat">
+      <a:schemeClr val="accent1"/>
+    </dgm:linClrLst>
+    <dgm:effectClrLst/>
+    <dgm:txLinClrLst/>
+    <dgm:txFillClrLst meth="repeat">
+      <a:schemeClr val="lt1"/>
+    </dgm:txFillClrLst>
+    <dgm:txEffectClrLst/>
+  </dgm:styleLbl>
+  <dgm:styleLbl name="parChTrans2D3">
+    <dgm:fillClrLst meth="repeat">
+      <a:schemeClr val="accent1"/>
+    </dgm:fillClrLst>
+    <dgm:linClrLst meth="repeat">
+      <a:schemeClr val="accent1"/>
+    </dgm:linClrLst>
+    <dgm:effectClrLst/>
+    <dgm:txLinClrLst/>
+    <dgm:txFillClrLst meth="repeat">
+      <a:schemeClr val="lt1"/>
+    </dgm:txFillClrLst>
+    <dgm:txEffectClrLst/>
+  </dgm:styleLbl>
+  <dgm:styleLbl name="parChTrans2D4">
+    <dgm:fillClrLst meth="repeat">
+      <a:schemeClr val="accent1"/>
+    </dgm:fillClrLst>
+    <dgm:linClrLst meth="repeat">
+      <a:schemeClr val="accent1"/>
+    </dgm:linClrLst>
+    <dgm:effectClrLst/>
+    <dgm:txLinClrLst/>
+    <dgm:txFillClrLst meth="repeat">
+      <a:schemeClr val="lt1"/>
+    </dgm:txFillClrLst>
+    <dgm:txEffectClrLst/>
+  </dgm:styleLbl>
+  <dgm:styleLbl name="parChTrans1D1">
+    <dgm:fillClrLst meth="repeat">
+      <a:schemeClr val="accent1"/>
+    </dgm:fillClrLst>
+    <dgm:linClrLst meth="repeat">
+      <a:schemeClr val="accent1">
+        <a:shade val="60000"/>
+      </a:schemeClr>
+    </dgm:linClrLst>
+    <dgm:effectClrLst/>
+    <dgm:txLinClrLst/>
+    <dgm:txFillClrLst meth="repeat">
+      <a:schemeClr val="tx1"/>
+    </dgm:txFillClrLst>
+    <dgm:txEffectClrLst/>
+  </dgm:styleLbl>
+  <dgm:styleLbl name="parChTrans1D2">
+    <dgm:fillClrLst meth="repeat">
+      <a:schemeClr val="accent1"/>
+    </dgm:fillClrLst>
+    <dgm:linClrLst meth="repeat">
+      <a:schemeClr val="accent1">
+        <a:shade val="60000"/>
+      </a:schemeClr>
+    </dgm:linClrLst>
+    <dgm:effectClrLst/>
+    <dgm:txLinClrLst/>
+    <dgm:txFillClrLst meth="repeat">
+      <a:schemeClr val="tx1"/>
+    </dgm:txFillClrLst>
+    <dgm:txEffectClrLst/>
+  </dgm:styleLbl>
+  <dgm:styleLbl name="parChTrans1D3">
+    <dgm:fillClrLst meth="repeat">
+      <a:schemeClr val="accent1"/>
+    </dgm:fillClrLst>
+    <dgm:linClrLst meth="repeat">
+      <a:schemeClr val="accent1">
+        <a:shade val="80000"/>
+      </a:schemeClr>
+    </dgm:linClrLst>
+    <dgm:effectClrLst/>
+    <dgm:txLinClrLst/>
+    <dgm:txFillClrLst meth="repeat">
+      <a:schemeClr val="tx1"/>
+    </dgm:txFillClrLst>
+    <dgm:txEffectClrLst/>
+  </dgm:styleLbl>
+  <dgm:styleLbl name="parChTrans1D4">
+    <dgm:fillClrLst meth="repeat">
+      <a:schemeClr val="accent1"/>
+    </dgm:fillClrLst>
+    <dgm:linClrLst meth="repeat">
+      <a:schemeClr val="accent1">
+        <a:shade val="80000"/>
+      </a:schemeClr>
+    </dgm:linClrLst>
+    <dgm:effectClrLst/>
+    <dgm:txLinClrLst/>
+    <dgm:txFillClrLst meth="repeat">
+      <a:schemeClr val="tx1"/>
+    </dgm:txFillClrLst>
+    <dgm:txEffectClrLst/>
+  </dgm:styleLbl>
+  <dgm:styleLbl name="fgAcc1">
+    <dgm:fillClrLst meth="repeat">
+      <a:schemeClr val="lt1">
+        <a:alpha val="90000"/>
+      </a:schemeClr>
+    </dgm:fillClrLst>
+    <dgm:linClrLst meth="repeat">
+      <a:schemeClr val="accent1"/>
+    </dgm:linClrLst>
+    <dgm:effectClrLst/>
+    <dgm:txLinClrLst/>
+    <dgm:txFillClrLst meth="repeat">
+      <a:schemeClr val="dk1"/>
+    </dgm:txFillClrLst>
+    <dgm:txEffectClrLst/>
+  </dgm:styleLbl>
+  <dgm:styleLbl name="conFgAcc1">
+    <dgm:fillClrLst meth="repeat">
+      <a:schemeClr val="lt1">
+        <a:alpha val="90000"/>
+      </a:schemeClr>
+    </dgm:fillClrLst>
+    <dgm:linClrLst meth="repeat">
+      <a:schemeClr val="accent1"/>
+    </dgm:linClrLst>
+    <dgm:effectClrLst/>
+    <dgm:txLinClrLst/>
+    <dgm:txFillClrLst meth="repeat">
+      <a:schemeClr val="dk1"/>
+    </dgm:txFillClrLst>
+    <dgm:txEffectClrLst/>
+  </dgm:styleLbl>
+  <dgm:styleLbl name="alignAcc1">
+    <dgm:fillClrLst meth="repeat">
+      <a:schemeClr val="lt1">
+        <a:alpha val="90000"/>
+      </a:schemeClr>
+    </dgm:fillClrLst>
+    <dgm:linClrLst meth="repeat">
+      <a:schemeClr val="accent1"/>
+    </dgm:linClrLst>
+    <dgm:effectClrLst/>
+    <dgm:txLinClrLst/>
+    <dgm:txFillClrLst meth="repeat">
+      <a:schemeClr val="dk1"/>
+    </dgm:txFillClrLst>
+    <dgm:txEffectClrLst/>
+  </dgm:styleLbl>
+  <dgm:styleLbl name="trAlignAcc1">
+    <dgm:fillClrLst meth="repeat">
+      <a:schemeClr val="lt1">
+        <a:alpha val="40000"/>
+      </a:schemeClr>
+    </dgm:fillClrLst>
+    <dgm:linClrLst meth="repeat">
+      <a:schemeClr val="accent1"/>
+    </dgm:linClrLst>
+    <dgm:effectClrLst/>
+    <dgm:txLinClrLst/>
+    <dgm:txFillClrLst meth="repeat">
+      <a:schemeClr val="dk1"/>
+    </dgm:txFillClrLst>
+    <dgm:txEffectClrLst/>
+  </dgm:styleLbl>
+  <dgm:styleLbl name="bgAcc1">
+    <dgm:fillClrLst meth="repeat">
+      <a:schemeClr val="lt1">
+        <a:alpha val="90000"/>
+      </a:schemeClr>
+    </dgm:fillClrLst>
+    <dgm:linClrLst meth="repeat">
+      <a:schemeClr val="accent1"/>
+    </dgm:linClrLst>
+    <dgm:effectClrLst/>
+    <dgm:txLinClrLst/>
+    <dgm:txFillClrLst meth="repeat">
+      <a:schemeClr val="dk1"/>
+    </dgm:txFillClrLst>
+    <dgm:txEffectClrLst/>
+  </dgm:styleLbl>
+  <dgm:styleLbl name="solidFgAcc1">
+    <dgm:fillClrLst meth="repeat">
+      <a:schemeClr val="lt1"/>
+    </dgm:fillClrLst>
+    <dgm:linClrLst meth="repeat">
+      <a:schemeClr val="accent1"/>
+    </dgm:linClrLst>
+    <dgm:effectClrLst/>
+    <dgm:txLinClrLst/>
+    <dgm:txFillClrLst meth="repeat">
+      <a:schemeClr val="dk1"/>
+    </dgm:txFillClrLst>
+    <dgm:txEffectClrLst/>
+  </dgm:styleLbl>
+  <dgm:styleLbl name="solidAlignAcc1">
+    <dgm:fillClrLst meth="repeat">
+      <a:schemeClr val="lt1"/>
+    </dgm:fillClrLst>
+    <dgm:linClrLst meth="repeat">
+      <a:schemeClr val="accent1"/>
+    </dgm:linClrLst>
+    <dgm:effectClrLst/>
+    <dgm:txLinClrLst/>
+    <dgm:txFillClrLst meth="repeat">
+      <a:schemeClr val="dk1"/>
+    </dgm:txFillClrLst>
+    <dgm:txEffectClrLst/>
+  </dgm:styleLbl>
+  <dgm:styleLbl name="solidBgAcc1">
+    <dgm:fillClrLst meth="repeat">
+      <a:schemeClr val="lt1"/>
+    </dgm:fillClrLst>
+    <dgm:linClrLst meth="repeat">
+      <a:schemeClr val="accent1"/>
+    </dgm:linClrLst>
+    <dgm:effectClrLst/>
+    <dgm:txLinClrLst/>
+    <dgm:txFillClrLst meth="repeat">
+      <a:schemeClr val="dk1"/>
+    </dgm:txFillClrLst>
+    <dgm:txEffectClrLst/>
+  </dgm:styleLbl>
+  <dgm:styleLbl name="fgAccFollowNode1">
+    <dgm:fillClrLst meth="repeat">
+      <a:schemeClr val="accent1">
+        <a:alpha val="90000"/>
+        <a:tint val="40000"/>
+      </a:schemeClr>
+    </dgm:fillClrLst>
+    <dgm:linClrLst meth="repeat">
+      <a:schemeClr val="accent1">
+        <a:alpha val="90000"/>
+        <a:tint val="40000"/>
+      </a:schemeClr>
+    </dgm:linClrLst>
+    <dgm:effectClrLst/>
+    <dgm:txLinClrLst/>
+    <dgm:txFillClrLst meth="repeat">
+      <a:schemeClr val="dk1"/>
+    </dgm:txFillClrLst>
+    <dgm:txEffectClrLst/>
+  </dgm:styleLbl>
+  <dgm:styleLbl name="alignAccFollowNode1">
+    <dgm:fillClrLst meth="repeat">
+      <a:schemeClr val="accent1">
+        <a:alpha val="90000"/>
+        <a:tint val="40000"/>
+      </a:schemeClr>
+    </dgm:fillClrLst>
+    <dgm:linClrLst meth="repeat">
+      <a:schemeClr val="accent1">
+        <a:alpha val="90000"/>
+        <a:tint val="40000"/>
+      </a:schemeClr>
+    </dgm:linClrLst>
+    <dgm:effectClrLst/>
+    <dgm:txLinClrLst/>
+    <dgm:txFillClrLst meth="repeat">
+      <a:schemeClr val="dk1"/>
+    </dgm:txFillClrLst>
+    <dgm:txEffectClrLst/>
+  </dgm:styleLbl>
+  <dgm:styleLbl name="bgAccFollowNode1">
+    <dgm:fillClrLst meth="repeat">
+      <a:schemeClr val="accent1">
+        <a:alpha val="90000"/>
+        <a:tint val="40000"/>
+      </a:schemeClr>
+    </dgm:fillClrLst>
+    <dgm:linClrLst meth="repeat">
+      <a:schemeClr val="accent1">
+        <a:alpha val="90000"/>
+        <a:tint val="40000"/>
+      </a:schemeClr>
+    </dgm:linClrLst>
+    <dgm:effectClrLst/>
+    <dgm:txLinClrLst/>
+    <dgm:txFillClrLst meth="repeat">
+      <a:schemeClr val="dk1"/>
+    </dgm:txFillClrLst>
+    <dgm:txEffectClrLst/>
+  </dgm:styleLbl>
+  <dgm:styleLbl name="fgAcc0">
+    <dgm:fillClrLst meth="repeat">
+      <a:schemeClr val="lt1">
+        <a:alpha val="90000"/>
+      </a:schemeClr>
+    </dgm:fillClrLst>
+    <dgm:linClrLst meth="repeat">
+      <a:schemeClr val="accent1"/>
+    </dgm:linClrLst>
+    <dgm:effectClrLst/>
+    <dgm:txLinClrLst/>
+    <dgm:txFillClrLst meth="repeat">
+      <a:schemeClr val="dk1"/>
+    </dgm:txFillClrLst>
+    <dgm:txEffectClrLst/>
+  </dgm:styleLbl>
+  <dgm:styleLbl name="fgAcc2">
+    <dgm:fillClrLst meth="repeat">
+      <a:schemeClr val="lt1">
+        <a:alpha val="90000"/>
+      </a:schemeClr>
+    </dgm:fillClrLst>
+    <dgm:linClrLst meth="repeat">
+      <a:schemeClr val="accent1"/>
+    </dgm:linClrLst>
+    <dgm:effectClrLst/>
+    <dgm:txLinClrLst/>
+    <dgm:txFillClrLst meth="repeat">
+      <a:schemeClr val="dk1"/>
+    </dgm:txFillClrLst>
+    <dgm:txEffectClrLst/>
+  </dgm:styleLbl>
+  <dgm:styleLbl name="fgAcc3">
+    <dgm:fillClrLst meth="repeat">
+      <a:schemeClr val="lt1">
+        <a:alpha val="90000"/>
+      </a:schemeClr>
+    </dgm:fillClrLst>
+    <dgm:linClrLst meth="repeat">
+      <a:schemeClr val="accent1"/>
+    </dgm:linClrLst>
+    <dgm:effectClrLst/>
+    <dgm:txLinClrLst/>
+    <dgm:txFillClrLst meth="repeat">
+      <a:schemeClr val="dk1"/>
+    </dgm:txFillClrLst>
+    <dgm:txEffectClrLst/>
+  </dgm:styleLbl>
+  <dgm:styleLbl name="fgAcc4">
+    <dgm:fillClrLst meth="repeat">
+      <a:schemeClr val="lt1">
+        <a:alpha val="90000"/>
+      </a:schemeClr>
+    </dgm:fillClrLst>
+    <dgm:linClrLst meth="repeat">
+      <a:schemeClr val="accent1"/>
+    </dgm:linClrLst>
+    <dgm:effectClrLst/>
+    <dgm:txLinClrLst/>
+    <dgm:txFillClrLst meth="repeat">
+      <a:schemeClr val="dk1"/>
+    </dgm:txFillClrLst>
+    <dgm:txEffectClrLst/>
+  </dgm:styleLbl>
+  <dgm:styleLbl name="bgShp">
+    <dgm:fillClrLst meth="repeat">
+      <a:schemeClr val="accent1">
+        <a:tint val="40000"/>
+      </a:schemeClr>
+    </dgm:fillClrLst>
+    <dgm:linClrLst meth="repeat">
+      <a:schemeClr val="accent1"/>
+    </dgm:linClrLst>
+    <dgm:effectClrLst/>
+    <dgm:txLinClrLst/>
+    <dgm:txFillClrLst meth="repeat">
+      <a:schemeClr val="dk1"/>
+    </dgm:txFillClrLst>
+    <dgm:txEffectClrLst/>
+  </dgm:styleLbl>
+  <dgm:styleLbl name="dkBgShp">
+    <dgm:fillClrLst meth="repeat">
+      <a:schemeClr val="accent1">
+        <a:shade val="80000"/>
+      </a:schemeClr>
+    </dgm:fillClrLst>
+    <dgm:linClrLst meth="repeat">
+      <a:schemeClr val="accent1"/>
+    </dgm:linClrLst>
+    <dgm:effectClrLst/>
+    <dgm:txLinClrLst/>
+    <dgm:txFillClrLst meth="repeat">
+      <a:schemeClr val="lt1"/>
+    </dgm:txFillClrLst>
+    <dgm:txEffectClrLst/>
+  </dgm:styleLbl>
+  <dgm:styleLbl name="trBgShp">
+    <dgm:fillClrLst meth="repeat">
+      <a:schemeClr val="accent1">
+        <a:tint val="50000"/>
+        <a:alpha val="40000"/>
+      </a:schemeClr>
+    </dgm:fillClrLst>
+    <dgm:linClrLst meth="repeat">
+      <a:schemeClr val="accent1"/>
+    </dgm:linClrLst>
+    <dgm:effectClrLst/>
+    <dgm:txLinClrLst/>
+    <dgm:txFillClrLst meth="repeat">
+      <a:schemeClr val="lt1"/>
+    </dgm:txFillClrLst>
+    <dgm:txEffectClrLst/>
+  </dgm:styleLbl>
+  <dgm:styleLbl name="fgShp">
+    <dgm:fillClrLst meth="repeat">
+      <a:schemeClr val="accent1">
+        <a:tint val="60000"/>
+      </a:schemeClr>
+    </dgm:fillClrLst>
+    <dgm:linClrLst meth="repeat">
+      <a:schemeClr val="lt1"/>
+    </dgm:linClrLst>
+    <dgm:effectClrLst/>
+    <dgm:txLinClrLst/>
+    <dgm:txFillClrLst meth="repeat">
+      <a:schemeClr val="dk1"/>
+    </dgm:txFillClrLst>
+    <dgm:txEffectClrLst/>
+  </dgm:styleLbl>
+  <dgm:styleLbl name="revTx">
+    <dgm:fillClrLst meth="repeat">
+      <a:schemeClr val="lt1">
+        <a:alpha val="0"/>
+      </a:schemeClr>
+    </dgm:fillClrLst>
+    <dgm:linClrLst meth="repeat">
+      <a:schemeClr val="dk1">
+        <a:alpha val="0"/>
+      </a:schemeClr>
+    </dgm:linClrLst>
+    <dgm:effectClrLst/>
+    <dgm:txLinClrLst/>
+    <dgm:txFillClrLst meth="repeat">
+      <a:schemeClr val="tx1"/>
+    </dgm:txFillClrLst>
+    <dgm:txEffectClrLst/>
+  </dgm:styleLbl>
+</dgm:colorsDef>
+</file>
+
+<file path=ppt/diagrams/data1.xml><?xml version="1.0" encoding="utf-8"?>
+<dgm:dataModel xmlns:dgm="http://schemas.openxmlformats.org/drawingml/2006/diagram" xmlns:a="http://schemas.openxmlformats.org/drawingml/2006/main">
+  <dgm:ptLst>
+    <dgm:pt modelId="{2B2DEDEA-5E81-4B72-9397-1061132DA5DA}" type="doc">
+      <dgm:prSet loTypeId="urn:microsoft.com/office/officeart/2005/8/layout/target2" loCatId="relationship" qsTypeId="urn:microsoft.com/office/officeart/2005/8/quickstyle/simple1" qsCatId="simple" csTypeId="urn:microsoft.com/office/officeart/2005/8/colors/accent1_2" csCatId="accent1" phldr="1"/>
+      <dgm:spPr/>
+      <dgm:t>
+        <a:bodyPr/>
+        <a:lstStyle/>
+        <a:p>
+          <a:pPr rtl="1"/>
+          <a:endParaRPr lang="he-IL"/>
+        </a:p>
+      </dgm:t>
+    </dgm:pt>
+    <dgm:pt modelId="{6F093327-FBF9-4204-AA5F-DF0F2E359F29}">
+      <dgm:prSet phldrT="[טקסט]"/>
+      <dgm:spPr/>
+      <dgm:t>
+        <a:bodyPr/>
+        <a:lstStyle/>
+        <a:p>
+          <a:pPr rtl="1"/>
+          <a:r>
+            <a:rPr lang="en-US" dirty="0"/>
+            <a:t>ABC</a:t>
+          </a:r>
+          <a:endParaRPr lang="he-IL" dirty="0"/>
+        </a:p>
+      </dgm:t>
+    </dgm:pt>
+    <dgm:pt modelId="{272C718F-D9C1-41CD-ABDE-534981BEE9A7}" type="parTrans" cxnId="{9C415A8B-8674-4D2F-8CDF-84BD9A4B7773}">
+      <dgm:prSet/>
+      <dgm:spPr/>
+      <dgm:t>
+        <a:bodyPr/>
+        <a:lstStyle/>
+        <a:p>
+          <a:pPr rtl="1"/>
+          <a:endParaRPr lang="he-IL"/>
+        </a:p>
+      </dgm:t>
+    </dgm:pt>
+    <dgm:pt modelId="{CD1AD266-7C00-48F8-8E2F-8423A65C8994}" type="sibTrans" cxnId="{9C415A8B-8674-4D2F-8CDF-84BD9A4B7773}">
+      <dgm:prSet/>
+      <dgm:spPr/>
+      <dgm:t>
+        <a:bodyPr/>
+        <a:lstStyle/>
+        <a:p>
+          <a:pPr rtl="1"/>
+          <a:endParaRPr lang="he-IL"/>
+        </a:p>
+      </dgm:t>
+    </dgm:pt>
+    <dgm:pt modelId="{9B84F408-E824-4EF2-9E65-7C71ED0B62C0}">
+      <dgm:prSet phldrT="[טקסט]"/>
+      <dgm:spPr/>
+      <dgm:t>
+        <a:bodyPr/>
+        <a:lstStyle/>
+        <a:p>
+          <a:pPr rtl="1"/>
+          <a:r>
+            <a:rPr lang="en-US" dirty="0" err="1"/>
+            <a:t>abc</a:t>
+          </a:r>
+          <a:endParaRPr lang="he-IL" dirty="0"/>
+        </a:p>
+      </dgm:t>
+    </dgm:pt>
+    <dgm:pt modelId="{001D46AC-D93F-4BD8-BE41-AAED3DE7022F}" type="parTrans" cxnId="{C1B8C170-E4FF-4C4B-A453-59F1A2AAFF96}">
+      <dgm:prSet/>
+      <dgm:spPr/>
+      <dgm:t>
+        <a:bodyPr/>
+        <a:lstStyle/>
+        <a:p>
+          <a:pPr rtl="1"/>
+          <a:endParaRPr lang="he-IL"/>
+        </a:p>
+      </dgm:t>
+    </dgm:pt>
+    <dgm:pt modelId="{F0F9170D-0A85-4D5A-B460-1BE1B80A4E0E}" type="sibTrans" cxnId="{C1B8C170-E4FF-4C4B-A453-59F1A2AAFF96}">
+      <dgm:prSet/>
+      <dgm:spPr/>
+      <dgm:t>
+        <a:bodyPr/>
+        <a:lstStyle/>
+        <a:p>
+          <a:pPr rtl="1"/>
+          <a:endParaRPr lang="he-IL"/>
+        </a:p>
+      </dgm:t>
+    </dgm:pt>
+    <dgm:pt modelId="{98684F13-29CD-4062-A3A5-FCDC18E22F81}">
+      <dgm:prSet phldrT="[טקסט]"/>
+      <dgm:spPr/>
+      <dgm:t>
+        <a:bodyPr/>
+        <a:lstStyle/>
+        <a:p>
+          <a:pPr rtl="1"/>
+          <a:r>
+            <a:rPr lang="en-US" dirty="0"/>
+            <a:t>DEF</a:t>
+          </a:r>
+          <a:endParaRPr lang="he-IL" dirty="0"/>
+        </a:p>
+      </dgm:t>
+    </dgm:pt>
+    <dgm:pt modelId="{8BD53D59-9DFD-4D24-B451-048DA67BA87B}" type="parTrans" cxnId="{B4043F6D-8585-491C-810E-4D3489262E94}">
+      <dgm:prSet/>
+      <dgm:spPr/>
+      <dgm:t>
+        <a:bodyPr/>
+        <a:lstStyle/>
+        <a:p>
+          <a:pPr rtl="1"/>
+          <a:endParaRPr lang="he-IL"/>
+        </a:p>
+      </dgm:t>
+    </dgm:pt>
+    <dgm:pt modelId="{7A2C8410-285A-4CD4-AA97-A5189B444C8B}" type="sibTrans" cxnId="{B4043F6D-8585-491C-810E-4D3489262E94}">
+      <dgm:prSet/>
+      <dgm:spPr/>
+      <dgm:t>
+        <a:bodyPr/>
+        <a:lstStyle/>
+        <a:p>
+          <a:pPr rtl="1"/>
+          <a:endParaRPr lang="he-IL"/>
+        </a:p>
+      </dgm:t>
+    </dgm:pt>
+    <dgm:pt modelId="{9034340D-39FC-4F19-99AC-4A5B50CEF7AC}">
+      <dgm:prSet phldrT="[טקסט]"/>
+      <dgm:spPr/>
+      <dgm:t>
+        <a:bodyPr/>
+        <a:lstStyle/>
+        <a:p>
+          <a:pPr rtl="1"/>
+          <a:r>
+            <a:rPr lang="en-US" dirty="0"/>
+            <a:t>def</a:t>
+          </a:r>
+          <a:endParaRPr lang="he-IL" dirty="0"/>
+        </a:p>
+      </dgm:t>
+    </dgm:pt>
+    <dgm:pt modelId="{F2EA01CC-F965-4889-AC4D-500AC90815C4}" type="parTrans" cxnId="{4BF12ED8-9FD9-487C-8054-28D8BC6FE10F}">
+      <dgm:prSet/>
+      <dgm:spPr/>
+      <dgm:t>
+        <a:bodyPr/>
+        <a:lstStyle/>
+        <a:p>
+          <a:pPr rtl="1"/>
+          <a:endParaRPr lang="he-IL"/>
+        </a:p>
+      </dgm:t>
+    </dgm:pt>
+    <dgm:pt modelId="{ADC87C39-DBB9-4A73-8E71-016F53EA6A7C}" type="sibTrans" cxnId="{4BF12ED8-9FD9-487C-8054-28D8BC6FE10F}">
+      <dgm:prSet/>
+      <dgm:spPr/>
+      <dgm:t>
+        <a:bodyPr/>
+        <a:lstStyle/>
+        <a:p>
+          <a:pPr rtl="1"/>
+          <a:endParaRPr lang="he-IL"/>
+        </a:p>
+      </dgm:t>
+    </dgm:pt>
+    <dgm:pt modelId="{DF0EFF98-7B92-4F25-9718-138B5BCBBD26}">
+      <dgm:prSet phldrT="[טקסט]"/>
+      <dgm:spPr/>
+      <dgm:t>
+        <a:bodyPr/>
+        <a:lstStyle/>
+        <a:p>
+          <a:pPr rtl="1"/>
+          <a:r>
+            <a:rPr lang="en-US" dirty="0"/>
+            <a:t>GHI</a:t>
+          </a:r>
+          <a:endParaRPr lang="he-IL" dirty="0"/>
+        </a:p>
+      </dgm:t>
+    </dgm:pt>
+    <dgm:pt modelId="{7C43DA07-6030-4F98-963E-CAC7DBB2198C}" type="parTrans" cxnId="{6284A68E-2FBA-4193-B920-7655EA1215F7}">
+      <dgm:prSet/>
+      <dgm:spPr/>
+      <dgm:t>
+        <a:bodyPr/>
+        <a:lstStyle/>
+        <a:p>
+          <a:pPr rtl="1"/>
+          <a:endParaRPr lang="he-IL"/>
+        </a:p>
+      </dgm:t>
+    </dgm:pt>
+    <dgm:pt modelId="{239D60B8-8812-477A-A500-1D28AEF55368}" type="sibTrans" cxnId="{6284A68E-2FBA-4193-B920-7655EA1215F7}">
+      <dgm:prSet/>
+      <dgm:spPr/>
+      <dgm:t>
+        <a:bodyPr/>
+        <a:lstStyle/>
+        <a:p>
+          <a:pPr rtl="1"/>
+          <a:endParaRPr lang="he-IL"/>
+        </a:p>
+      </dgm:t>
+    </dgm:pt>
+    <dgm:pt modelId="{2DE45EF7-710F-42B7-A358-F20F5D8FAC00}">
+      <dgm:prSet phldrT="[טקסט]"/>
+      <dgm:spPr/>
+      <dgm:t>
+        <a:bodyPr/>
+        <a:lstStyle/>
+        <a:p>
+          <a:pPr rtl="1"/>
+          <a:r>
+            <a:rPr lang="en-US" dirty="0" err="1"/>
+            <a:t>ghi</a:t>
+          </a:r>
+          <a:endParaRPr lang="he-IL" dirty="0"/>
+        </a:p>
+      </dgm:t>
+    </dgm:pt>
+    <dgm:pt modelId="{2DCAB7FD-A5FC-4E7D-B9E8-46E5CF518D32}" type="parTrans" cxnId="{19E53A22-4A19-47E6-8456-6CC6E2296E46}">
+      <dgm:prSet/>
+      <dgm:spPr/>
+      <dgm:t>
+        <a:bodyPr/>
+        <a:lstStyle/>
+        <a:p>
+          <a:pPr rtl="1"/>
+          <a:endParaRPr lang="he-IL"/>
+        </a:p>
+      </dgm:t>
+    </dgm:pt>
+    <dgm:pt modelId="{010B1C22-521A-4C8E-8258-D321E893EB05}" type="sibTrans" cxnId="{19E53A22-4A19-47E6-8456-6CC6E2296E46}">
+      <dgm:prSet/>
+      <dgm:spPr/>
+      <dgm:t>
+        <a:bodyPr/>
+        <a:lstStyle/>
+        <a:p>
+          <a:pPr rtl="1"/>
+          <a:endParaRPr lang="he-IL"/>
+        </a:p>
+      </dgm:t>
+    </dgm:pt>
+    <dgm:pt modelId="{C3A96F2F-4BD5-4B44-B692-1A5F5C56127D}">
+      <dgm:prSet phldrT="[טקסט]"/>
+      <dgm:spPr/>
+    </dgm:pt>
+    <dgm:pt modelId="{3B3FE2E5-20D4-44CF-80E0-F4B67AC64E08}" type="parTrans" cxnId="{23325C3B-D51A-4ABC-A861-ED05CB2BE782}">
+      <dgm:prSet/>
+      <dgm:spPr/>
+      <dgm:t>
+        <a:bodyPr/>
+        <a:lstStyle/>
+        <a:p>
+          <a:pPr rtl="1"/>
+          <a:endParaRPr lang="he-IL"/>
+        </a:p>
+      </dgm:t>
+    </dgm:pt>
+    <dgm:pt modelId="{C84D3DFF-0230-4F18-808C-DDEAF1F06B56}" type="sibTrans" cxnId="{23325C3B-D51A-4ABC-A861-ED05CB2BE782}">
+      <dgm:prSet/>
+      <dgm:spPr/>
+      <dgm:t>
+        <a:bodyPr/>
+        <a:lstStyle/>
+        <a:p>
+          <a:pPr rtl="1"/>
+          <a:endParaRPr lang="he-IL"/>
+        </a:p>
+      </dgm:t>
+    </dgm:pt>
+    <dgm:pt modelId="{FD68BB2B-BC85-4F19-9CD3-9E68C92D0208}">
+      <dgm:prSet phldrT="[טקסט]"/>
+      <dgm:spPr/>
+    </dgm:pt>
+    <dgm:pt modelId="{1F5DE0BA-5E56-4A9B-8600-05EC07C4B186}" type="sibTrans" cxnId="{58629D30-6882-4D1B-A62F-332A28EEECE1}">
+      <dgm:prSet/>
+      <dgm:spPr/>
+      <dgm:t>
+        <a:bodyPr/>
+        <a:lstStyle/>
+        <a:p>
+          <a:pPr rtl="1"/>
+          <a:endParaRPr lang="he-IL"/>
+        </a:p>
+      </dgm:t>
+    </dgm:pt>
+    <dgm:pt modelId="{07CFBB69-E0D7-480F-BC9E-7ACED261A18C}" type="parTrans" cxnId="{58629D30-6882-4D1B-A62F-332A28EEECE1}">
+      <dgm:prSet/>
+      <dgm:spPr/>
+      <dgm:t>
+        <a:bodyPr/>
+        <a:lstStyle/>
+        <a:p>
+          <a:pPr rtl="1"/>
+          <a:endParaRPr lang="he-IL"/>
+        </a:p>
+      </dgm:t>
+    </dgm:pt>
+    <dgm:pt modelId="{40515642-798D-4B35-96BB-C867600EC2F4}" type="pres">
+      <dgm:prSet presAssocID="{2B2DEDEA-5E81-4B72-9397-1061132DA5DA}" presName="Name0" presStyleCnt="0">
+        <dgm:presLayoutVars>
+          <dgm:chMax val="3"/>
+          <dgm:chPref val="1"/>
+          <dgm:dir/>
+          <dgm:animLvl val="lvl"/>
+          <dgm:resizeHandles/>
+        </dgm:presLayoutVars>
+      </dgm:prSet>
+      <dgm:spPr/>
+    </dgm:pt>
+    <dgm:pt modelId="{A47225D5-E3E6-4335-BC76-3627C550A7BB}" type="pres">
+      <dgm:prSet presAssocID="{2B2DEDEA-5E81-4B72-9397-1061132DA5DA}" presName="outerBox" presStyleCnt="0"/>
+      <dgm:spPr/>
+    </dgm:pt>
+    <dgm:pt modelId="{7D80CBB9-26F1-4BC7-A53C-313BFEA84526}" type="pres">
+      <dgm:prSet presAssocID="{2B2DEDEA-5E81-4B72-9397-1061132DA5DA}" presName="outerBoxParent" presStyleLbl="node1" presStyleIdx="0" presStyleCnt="3"/>
+      <dgm:spPr/>
+    </dgm:pt>
+    <dgm:pt modelId="{DD1C9DFC-5038-4EDF-B899-06537B9F42C9}" type="pres">
+      <dgm:prSet presAssocID="{2B2DEDEA-5E81-4B72-9397-1061132DA5DA}" presName="outerBoxChildren" presStyleCnt="0"/>
+      <dgm:spPr/>
+    </dgm:pt>
+    <dgm:pt modelId="{820489D0-F712-438C-8956-6F003DB58CA3}" type="pres">
+      <dgm:prSet presAssocID="{9B84F408-E824-4EF2-9E65-7C71ED0B62C0}" presName="oChild" presStyleLbl="fgAcc1" presStyleIdx="0" presStyleCnt="3">
+        <dgm:presLayoutVars>
+          <dgm:bulletEnabled val="1"/>
+        </dgm:presLayoutVars>
+      </dgm:prSet>
+      <dgm:spPr/>
+    </dgm:pt>
+    <dgm:pt modelId="{687E571E-A528-4DEE-B05E-43D7BC1C9A31}" type="pres">
+      <dgm:prSet presAssocID="{2B2DEDEA-5E81-4B72-9397-1061132DA5DA}" presName="middleBox" presStyleCnt="0"/>
+      <dgm:spPr/>
+    </dgm:pt>
+    <dgm:pt modelId="{C75AF8DB-E523-4F1D-84CD-CEA4DE8F5D6B}" type="pres">
+      <dgm:prSet presAssocID="{2B2DEDEA-5E81-4B72-9397-1061132DA5DA}" presName="middleBoxParent" presStyleLbl="node1" presStyleIdx="1" presStyleCnt="3"/>
+      <dgm:spPr/>
+    </dgm:pt>
+    <dgm:pt modelId="{BE0FD1B2-FD32-4C63-826B-E0366B628194}" type="pres">
+      <dgm:prSet presAssocID="{2B2DEDEA-5E81-4B72-9397-1061132DA5DA}" presName="middleBoxChildren" presStyleCnt="0"/>
+      <dgm:spPr/>
+    </dgm:pt>
+    <dgm:pt modelId="{E3AF89EB-D784-4829-BFCA-B3D056799E58}" type="pres">
+      <dgm:prSet presAssocID="{9034340D-39FC-4F19-99AC-4A5B50CEF7AC}" presName="mChild" presStyleLbl="fgAcc1" presStyleIdx="1" presStyleCnt="3">
+        <dgm:presLayoutVars>
+          <dgm:bulletEnabled val="1"/>
+        </dgm:presLayoutVars>
+      </dgm:prSet>
+      <dgm:spPr/>
+    </dgm:pt>
+    <dgm:pt modelId="{38758E47-0116-4818-BB09-4DA977F0EC4B}" type="pres">
+      <dgm:prSet presAssocID="{2B2DEDEA-5E81-4B72-9397-1061132DA5DA}" presName="centerBox" presStyleCnt="0"/>
+      <dgm:spPr/>
+    </dgm:pt>
+    <dgm:pt modelId="{51B241C7-CB37-4504-91B5-D28D15811FBA}" type="pres">
+      <dgm:prSet presAssocID="{2B2DEDEA-5E81-4B72-9397-1061132DA5DA}" presName="centerBoxParent" presStyleLbl="node1" presStyleIdx="2" presStyleCnt="3"/>
+      <dgm:spPr/>
+    </dgm:pt>
+    <dgm:pt modelId="{8ACC5604-7650-4810-B2A8-B40849739F1E}" type="pres">
+      <dgm:prSet presAssocID="{2B2DEDEA-5E81-4B72-9397-1061132DA5DA}" presName="centerBoxChildren" presStyleCnt="0"/>
+      <dgm:spPr/>
+    </dgm:pt>
+    <dgm:pt modelId="{DC4C0267-EBFE-4793-A7A5-CE1C28B7D83B}" type="pres">
+      <dgm:prSet presAssocID="{2DE45EF7-710F-42B7-A358-F20F5D8FAC00}" presName="cChild" presStyleLbl="fgAcc1" presStyleIdx="2" presStyleCnt="3">
+        <dgm:presLayoutVars>
+          <dgm:bulletEnabled val="1"/>
+        </dgm:presLayoutVars>
+      </dgm:prSet>
+      <dgm:spPr/>
+    </dgm:pt>
+  </dgm:ptLst>
+  <dgm:cxnLst>
+    <dgm:cxn modelId="{A3EBF01D-B05C-4174-972F-5A8E0E948056}" type="presOf" srcId="{98684F13-29CD-4062-A3A5-FCDC18E22F81}" destId="{C75AF8DB-E523-4F1D-84CD-CEA4DE8F5D6B}" srcOrd="0" destOrd="0" presId="urn:microsoft.com/office/officeart/2005/8/layout/target2"/>
+    <dgm:cxn modelId="{19E53A22-4A19-47E6-8456-6CC6E2296E46}" srcId="{DF0EFF98-7B92-4F25-9718-138B5BCBBD26}" destId="{2DE45EF7-710F-42B7-A358-F20F5D8FAC00}" srcOrd="0" destOrd="0" parTransId="{2DCAB7FD-A5FC-4E7D-B9E8-46E5CF518D32}" sibTransId="{010B1C22-521A-4C8E-8258-D321E893EB05}"/>
+    <dgm:cxn modelId="{58629D30-6882-4D1B-A62F-332A28EEECE1}" srcId="{2B2DEDEA-5E81-4B72-9397-1061132DA5DA}" destId="{FD68BB2B-BC85-4F19-9CD3-9E68C92D0208}" srcOrd="3" destOrd="0" parTransId="{07CFBB69-E0D7-480F-BC9E-7ACED261A18C}" sibTransId="{1F5DE0BA-5E56-4A9B-8600-05EC07C4B186}"/>
+    <dgm:cxn modelId="{02DF8F36-D16D-4F25-9FC1-A8F1FF752F63}" type="presOf" srcId="{9B84F408-E824-4EF2-9E65-7C71ED0B62C0}" destId="{820489D0-F712-438C-8956-6F003DB58CA3}" srcOrd="0" destOrd="0" presId="urn:microsoft.com/office/officeart/2005/8/layout/target2"/>
+    <dgm:cxn modelId="{CA8BB638-0196-4543-A14A-F5A02C6AE235}" type="presOf" srcId="{2DE45EF7-710F-42B7-A358-F20F5D8FAC00}" destId="{DC4C0267-EBFE-4793-A7A5-CE1C28B7D83B}" srcOrd="0" destOrd="0" presId="urn:microsoft.com/office/officeart/2005/8/layout/target2"/>
+    <dgm:cxn modelId="{23325C3B-D51A-4ABC-A861-ED05CB2BE782}" srcId="{FD68BB2B-BC85-4F19-9CD3-9E68C92D0208}" destId="{C3A96F2F-4BD5-4B44-B692-1A5F5C56127D}" srcOrd="0" destOrd="0" parTransId="{3B3FE2E5-20D4-44CF-80E0-F4B67AC64E08}" sibTransId="{C84D3DFF-0230-4F18-808C-DDEAF1F06B56}"/>
+    <dgm:cxn modelId="{B4043F6D-8585-491C-810E-4D3489262E94}" srcId="{2B2DEDEA-5E81-4B72-9397-1061132DA5DA}" destId="{98684F13-29CD-4062-A3A5-FCDC18E22F81}" srcOrd="1" destOrd="0" parTransId="{8BD53D59-9DFD-4D24-B451-048DA67BA87B}" sibTransId="{7A2C8410-285A-4CD4-AA97-A5189B444C8B}"/>
+    <dgm:cxn modelId="{C1B8C170-E4FF-4C4B-A453-59F1A2AAFF96}" srcId="{6F093327-FBF9-4204-AA5F-DF0F2E359F29}" destId="{9B84F408-E824-4EF2-9E65-7C71ED0B62C0}" srcOrd="0" destOrd="0" parTransId="{001D46AC-D93F-4BD8-BE41-AAED3DE7022F}" sibTransId="{F0F9170D-0A85-4D5A-B460-1BE1B80A4E0E}"/>
+    <dgm:cxn modelId="{58EBEE51-F305-4D6A-BC7F-F0C6275D165D}" type="presOf" srcId="{9034340D-39FC-4F19-99AC-4A5B50CEF7AC}" destId="{E3AF89EB-D784-4829-BFCA-B3D056799E58}" srcOrd="0" destOrd="0" presId="urn:microsoft.com/office/officeart/2005/8/layout/target2"/>
+    <dgm:cxn modelId="{47F44E73-9296-4A8D-8876-931C8C93A3FD}" type="presOf" srcId="{DF0EFF98-7B92-4F25-9718-138B5BCBBD26}" destId="{51B241C7-CB37-4504-91B5-D28D15811FBA}" srcOrd="0" destOrd="0" presId="urn:microsoft.com/office/officeart/2005/8/layout/target2"/>
+    <dgm:cxn modelId="{9C415A8B-8674-4D2F-8CDF-84BD9A4B7773}" srcId="{2B2DEDEA-5E81-4B72-9397-1061132DA5DA}" destId="{6F093327-FBF9-4204-AA5F-DF0F2E359F29}" srcOrd="0" destOrd="0" parTransId="{272C718F-D9C1-41CD-ABDE-534981BEE9A7}" sibTransId="{CD1AD266-7C00-48F8-8E2F-8423A65C8994}"/>
+    <dgm:cxn modelId="{6284A68E-2FBA-4193-B920-7655EA1215F7}" srcId="{2B2DEDEA-5E81-4B72-9397-1061132DA5DA}" destId="{DF0EFF98-7B92-4F25-9718-138B5BCBBD26}" srcOrd="2" destOrd="0" parTransId="{7C43DA07-6030-4F98-963E-CAC7DBB2198C}" sibTransId="{239D60B8-8812-477A-A500-1D28AEF55368}"/>
+    <dgm:cxn modelId="{641CD2B5-EFB1-4ACC-AEF8-02DB14655839}" type="presOf" srcId="{2B2DEDEA-5E81-4B72-9397-1061132DA5DA}" destId="{40515642-798D-4B35-96BB-C867600EC2F4}" srcOrd="0" destOrd="0" presId="urn:microsoft.com/office/officeart/2005/8/layout/target2"/>
+    <dgm:cxn modelId="{8D8CE5CA-6F2E-4180-A90D-B582619AFA46}" type="presOf" srcId="{6F093327-FBF9-4204-AA5F-DF0F2E359F29}" destId="{7D80CBB9-26F1-4BC7-A53C-313BFEA84526}" srcOrd="0" destOrd="0" presId="urn:microsoft.com/office/officeart/2005/8/layout/target2"/>
+    <dgm:cxn modelId="{4BF12ED8-9FD9-487C-8054-28D8BC6FE10F}" srcId="{98684F13-29CD-4062-A3A5-FCDC18E22F81}" destId="{9034340D-39FC-4F19-99AC-4A5B50CEF7AC}" srcOrd="0" destOrd="0" parTransId="{F2EA01CC-F965-4889-AC4D-500AC90815C4}" sibTransId="{ADC87C39-DBB9-4A73-8E71-016F53EA6A7C}"/>
+    <dgm:cxn modelId="{88EDCDD3-791A-4A63-977A-7AEC1A59982B}" type="presParOf" srcId="{40515642-798D-4B35-96BB-C867600EC2F4}" destId="{A47225D5-E3E6-4335-BC76-3627C550A7BB}" srcOrd="0" destOrd="0" presId="urn:microsoft.com/office/officeart/2005/8/layout/target2"/>
+    <dgm:cxn modelId="{6A5AFCED-7FA7-4DA7-BE3E-95D2D17D94E3}" type="presParOf" srcId="{A47225D5-E3E6-4335-BC76-3627C550A7BB}" destId="{7D80CBB9-26F1-4BC7-A53C-313BFEA84526}" srcOrd="0" destOrd="0" presId="urn:microsoft.com/office/officeart/2005/8/layout/target2"/>
+    <dgm:cxn modelId="{711FB211-9234-4C1C-8341-F0730BEE61BB}" type="presParOf" srcId="{A47225D5-E3E6-4335-BC76-3627C550A7BB}" destId="{DD1C9DFC-5038-4EDF-B899-06537B9F42C9}" srcOrd="1" destOrd="0" presId="urn:microsoft.com/office/officeart/2005/8/layout/target2"/>
+    <dgm:cxn modelId="{02430CA1-4951-4522-B8E1-958D8AC97FA8}" type="presParOf" srcId="{DD1C9DFC-5038-4EDF-B899-06537B9F42C9}" destId="{820489D0-F712-438C-8956-6F003DB58CA3}" srcOrd="0" destOrd="0" presId="urn:microsoft.com/office/officeart/2005/8/layout/target2"/>
+    <dgm:cxn modelId="{6C10F6B8-40D4-43E1-B83D-B7FC939532E8}" type="presParOf" srcId="{40515642-798D-4B35-96BB-C867600EC2F4}" destId="{687E571E-A528-4DEE-B05E-43D7BC1C9A31}" srcOrd="1" destOrd="0" presId="urn:microsoft.com/office/officeart/2005/8/layout/target2"/>
+    <dgm:cxn modelId="{49FB2BEA-0CF0-4D2D-82E6-9197F5233F43}" type="presParOf" srcId="{687E571E-A528-4DEE-B05E-43D7BC1C9A31}" destId="{C75AF8DB-E523-4F1D-84CD-CEA4DE8F5D6B}" srcOrd="0" destOrd="0" presId="urn:microsoft.com/office/officeart/2005/8/layout/target2"/>
+    <dgm:cxn modelId="{93F5D6FE-7D47-41C2-938E-A29F9429410D}" type="presParOf" srcId="{687E571E-A528-4DEE-B05E-43D7BC1C9A31}" destId="{BE0FD1B2-FD32-4C63-826B-E0366B628194}" srcOrd="1" destOrd="0" presId="urn:microsoft.com/office/officeart/2005/8/layout/target2"/>
+    <dgm:cxn modelId="{3C54ACAD-A060-4A96-8321-344B8524A98F}" type="presParOf" srcId="{BE0FD1B2-FD32-4C63-826B-E0366B628194}" destId="{E3AF89EB-D784-4829-BFCA-B3D056799E58}" srcOrd="0" destOrd="0" presId="urn:microsoft.com/office/officeart/2005/8/layout/target2"/>
+    <dgm:cxn modelId="{C2029117-E3C2-4215-A865-66E9CCE3AAAD}" type="presParOf" srcId="{40515642-798D-4B35-96BB-C867600EC2F4}" destId="{38758E47-0116-4818-BB09-4DA977F0EC4B}" srcOrd="2" destOrd="0" presId="urn:microsoft.com/office/officeart/2005/8/layout/target2"/>
+    <dgm:cxn modelId="{0147EC05-45A0-4AAF-8998-9B2F5D91A05E}" type="presParOf" srcId="{38758E47-0116-4818-BB09-4DA977F0EC4B}" destId="{51B241C7-CB37-4504-91B5-D28D15811FBA}" srcOrd="0" destOrd="0" presId="urn:microsoft.com/office/officeart/2005/8/layout/target2"/>
+    <dgm:cxn modelId="{3B322925-FBB7-40C7-B148-F5DFB491D3B2}" type="presParOf" srcId="{38758E47-0116-4818-BB09-4DA977F0EC4B}" destId="{8ACC5604-7650-4810-B2A8-B40849739F1E}" srcOrd="1" destOrd="0" presId="urn:microsoft.com/office/officeart/2005/8/layout/target2"/>
+    <dgm:cxn modelId="{EC369C04-57EB-46F8-BC96-A94966343172}" type="presParOf" srcId="{8ACC5604-7650-4810-B2A8-B40849739F1E}" destId="{DC4C0267-EBFE-4793-A7A5-CE1C28B7D83B}" srcOrd="0" destOrd="0" presId="urn:microsoft.com/office/officeart/2005/8/layout/target2"/>
+  </dgm:cxnLst>
+  <dgm:bg/>
+  <dgm:whole/>
+  <dgm:extLst>
+    <a:ext uri="http://schemas.microsoft.com/office/drawing/2008/diagram">
+      <dsp:dataModelExt xmlns:dsp="http://schemas.microsoft.com/office/drawing/2008/diagram" relId="rId7" minVer="http://schemas.openxmlformats.org/drawingml/2006/diagram"/>
+    </a:ext>
+  </dgm:extLst>
+</dgm:dataModel>
+</file>
+
+<file path=ppt/diagrams/drawing1.xml><?xml version="1.0" encoding="utf-8"?>
+<dsp:drawing xmlns:dgm="http://schemas.openxmlformats.org/drawingml/2006/diagram" xmlns:dsp="http://schemas.microsoft.com/office/drawing/2008/diagram" xmlns:a="http://schemas.openxmlformats.org/drawingml/2006/main">
+  <dsp:spTree>
+    <dsp:nvGrpSpPr>
+      <dsp:cNvPr id="0" name=""/>
+      <dsp:cNvGrpSpPr/>
+    </dsp:nvGrpSpPr>
+    <dsp:grpSpPr/>
+    <dsp:sp modelId="{7D80CBB9-26F1-4BC7-A53C-313BFEA84526}">
+      <dsp:nvSpPr>
+        <dsp:cNvPr id="0" name=""/>
+        <dsp:cNvSpPr/>
+      </dsp:nvSpPr>
+      <dsp:spPr>
+        <a:xfrm>
+          <a:off x="0" y="0"/>
+          <a:ext cx="6096000" cy="4064000"/>
+        </a:xfrm>
+        <a:prstGeom prst="roundRect">
+          <a:avLst>
+            <a:gd name="adj" fmla="val 8500"/>
+          </a:avLst>
+        </a:prstGeom>
+        <a:solidFill>
+          <a:schemeClr val="accent1">
+            <a:hueOff val="0"/>
+            <a:satOff val="0"/>
+            <a:lumOff val="0"/>
+            <a:alphaOff val="0"/>
+          </a:schemeClr>
+        </a:solidFill>
+        <a:ln w="15875" cap="flat" cmpd="sng" algn="ctr">
+          <a:solidFill>
+            <a:schemeClr val="lt1">
+              <a:hueOff val="0"/>
+              <a:satOff val="0"/>
+              <a:lumOff val="0"/>
+              <a:alphaOff val="0"/>
+            </a:schemeClr>
+          </a:solidFill>
+          <a:prstDash val="solid"/>
+        </a:ln>
+        <a:effectLst/>
+      </dsp:spPr>
+      <dsp:style>
+        <a:lnRef idx="2">
+          <a:scrgbClr r="0" g="0" b="0"/>
+        </a:lnRef>
+        <a:fillRef idx="1">
+          <a:scrgbClr r="0" g="0" b="0"/>
+        </a:fillRef>
+        <a:effectRef idx="0">
+          <a:scrgbClr r="0" g="0" b="0"/>
+        </a:effectRef>
+        <a:fontRef idx="minor">
+          <a:schemeClr val="lt1"/>
+        </a:fontRef>
+      </dsp:style>
+      <dsp:txBody>
+        <a:bodyPr spcFirstLastPara="0" vert="horz" wrap="square" lIns="114300" tIns="114300" rIns="114300" bIns="3154116" numCol="1" spcCol="1270" anchor="t" anchorCtr="0">
+          <a:noAutofit/>
+        </a:bodyPr>
+        <a:lstStyle/>
+        <a:p>
+          <a:pPr marL="0" lvl="0" indent="0" algn="r" defTabSz="1333500" rtl="1">
+            <a:lnSpc>
+              <a:spcPct val="90000"/>
+            </a:lnSpc>
+            <a:spcBef>
+              <a:spcPct val="0"/>
+            </a:spcBef>
+            <a:spcAft>
+              <a:spcPct val="35000"/>
+            </a:spcAft>
+            <a:buNone/>
+          </a:pPr>
+          <a:r>
+            <a:rPr lang="en-US" sz="3000" kern="1200" dirty="0"/>
+            <a:t>ABC</a:t>
+          </a:r>
+          <a:endParaRPr lang="he-IL" sz="3000" kern="1200" dirty="0"/>
+        </a:p>
+      </dsp:txBody>
+      <dsp:txXfrm>
+        <a:off x="101176" y="101176"/>
+        <a:ext cx="5893648" cy="3861648"/>
+      </dsp:txXfrm>
+    </dsp:sp>
+    <dsp:sp modelId="{820489D0-F712-438C-8956-6F003DB58CA3}">
+      <dsp:nvSpPr>
+        <dsp:cNvPr id="0" name=""/>
+        <dsp:cNvSpPr/>
+      </dsp:nvSpPr>
+      <dsp:spPr>
+        <a:xfrm>
+          <a:off x="152400" y="1016000"/>
+          <a:ext cx="914400" cy="2844800"/>
+        </a:xfrm>
+        <a:prstGeom prst="roundRect">
+          <a:avLst>
+            <a:gd name="adj" fmla="val 10500"/>
+          </a:avLst>
+        </a:prstGeom>
+        <a:solidFill>
+          <a:schemeClr val="lt1">
+            <a:alpha val="90000"/>
+            <a:hueOff val="0"/>
+            <a:satOff val="0"/>
+            <a:lumOff val="0"/>
+            <a:alphaOff val="0"/>
+          </a:schemeClr>
+        </a:solidFill>
+        <a:ln w="15875" cap="flat" cmpd="sng" algn="ctr">
+          <a:solidFill>
+            <a:schemeClr val="accent1">
+              <a:hueOff val="0"/>
+              <a:satOff val="0"/>
+              <a:lumOff val="0"/>
+              <a:alphaOff val="0"/>
+            </a:schemeClr>
+          </a:solidFill>
+          <a:prstDash val="solid"/>
+        </a:ln>
+        <a:effectLst/>
+      </dsp:spPr>
+      <dsp:style>
+        <a:lnRef idx="2">
+          <a:scrgbClr r="0" g="0" b="0"/>
+        </a:lnRef>
+        <a:fillRef idx="1">
+          <a:scrgbClr r="0" g="0" b="0"/>
+        </a:fillRef>
+        <a:effectRef idx="0">
+          <a:scrgbClr r="0" g="0" b="0"/>
+        </a:effectRef>
+        <a:fontRef idx="minor"/>
+      </dsp:style>
+      <dsp:txBody>
+        <a:bodyPr spcFirstLastPara="0" vert="horz" wrap="square" lIns="106680" tIns="106680" rIns="106680" bIns="106680" numCol="1" spcCol="1270" anchor="ctr" anchorCtr="0">
+          <a:noAutofit/>
+        </a:bodyPr>
+        <a:lstStyle/>
+        <a:p>
+          <a:pPr marL="0" lvl="0" indent="0" algn="ctr" defTabSz="1244600" rtl="1">
+            <a:lnSpc>
+              <a:spcPct val="90000"/>
+            </a:lnSpc>
+            <a:spcBef>
+              <a:spcPct val="0"/>
+            </a:spcBef>
+            <a:spcAft>
+              <a:spcPct val="35000"/>
+            </a:spcAft>
+            <a:buNone/>
+          </a:pPr>
+          <a:r>
+            <a:rPr lang="en-US" sz="2800" kern="1200" dirty="0" err="1"/>
+            <a:t>abc</a:t>
+          </a:r>
+          <a:endParaRPr lang="he-IL" sz="2800" kern="1200" dirty="0"/>
+        </a:p>
+      </dsp:txBody>
+      <dsp:txXfrm>
+        <a:off x="180521" y="1044121"/>
+        <a:ext cx="858158" cy="2788558"/>
+      </dsp:txXfrm>
+    </dsp:sp>
+    <dsp:sp modelId="{C75AF8DB-E523-4F1D-84CD-CEA4DE8F5D6B}">
+      <dsp:nvSpPr>
+        <dsp:cNvPr id="0" name=""/>
+        <dsp:cNvSpPr/>
+      </dsp:nvSpPr>
+      <dsp:spPr>
+        <a:xfrm>
+          <a:off x="1219200" y="1016000"/>
+          <a:ext cx="4724400" cy="2844800"/>
+        </a:xfrm>
+        <a:prstGeom prst="roundRect">
+          <a:avLst>
+            <a:gd name="adj" fmla="val 10500"/>
+          </a:avLst>
+        </a:prstGeom>
+        <a:solidFill>
+          <a:schemeClr val="accent1">
+            <a:hueOff val="0"/>
+            <a:satOff val="0"/>
+            <a:lumOff val="0"/>
+            <a:alphaOff val="0"/>
+          </a:schemeClr>
+        </a:solidFill>
+        <a:ln w="15875" cap="flat" cmpd="sng" algn="ctr">
+          <a:solidFill>
+            <a:schemeClr val="lt1">
+              <a:hueOff val="0"/>
+              <a:satOff val="0"/>
+              <a:lumOff val="0"/>
+              <a:alphaOff val="0"/>
+            </a:schemeClr>
+          </a:solidFill>
+          <a:prstDash val="solid"/>
+        </a:ln>
+        <a:effectLst/>
+      </dsp:spPr>
+      <dsp:style>
+        <a:lnRef idx="2">
+          <a:scrgbClr r="0" g="0" b="0"/>
+        </a:lnRef>
+        <a:fillRef idx="1">
+          <a:scrgbClr r="0" g="0" b="0"/>
+        </a:fillRef>
+        <a:effectRef idx="0">
+          <a:scrgbClr r="0" g="0" b="0"/>
+        </a:effectRef>
+        <a:fontRef idx="minor">
+          <a:schemeClr val="lt1"/>
+        </a:fontRef>
+      </dsp:style>
+      <dsp:txBody>
+        <a:bodyPr spcFirstLastPara="0" vert="horz" wrap="square" lIns="114300" tIns="114300" rIns="114300" bIns="1806448" numCol="1" spcCol="1270" anchor="t" anchorCtr="0">
+          <a:noAutofit/>
+        </a:bodyPr>
+        <a:lstStyle/>
+        <a:p>
+          <a:pPr marL="0" lvl="0" indent="0" algn="r" defTabSz="1333500" rtl="1">
+            <a:lnSpc>
+              <a:spcPct val="90000"/>
+            </a:lnSpc>
+            <a:spcBef>
+              <a:spcPct val="0"/>
+            </a:spcBef>
+            <a:spcAft>
+              <a:spcPct val="35000"/>
+            </a:spcAft>
+            <a:buNone/>
+          </a:pPr>
+          <a:r>
+            <a:rPr lang="en-US" sz="3000" kern="1200" dirty="0"/>
+            <a:t>DEF</a:t>
+          </a:r>
+          <a:endParaRPr lang="he-IL" sz="3000" kern="1200" dirty="0"/>
+        </a:p>
+      </dsp:txBody>
+      <dsp:txXfrm>
+        <a:off x="1306687" y="1103487"/>
+        <a:ext cx="4549426" cy="2669826"/>
+      </dsp:txXfrm>
+    </dsp:sp>
+    <dsp:sp modelId="{E3AF89EB-D784-4829-BFCA-B3D056799E58}">
+      <dsp:nvSpPr>
+        <dsp:cNvPr id="0" name=""/>
+        <dsp:cNvSpPr/>
+      </dsp:nvSpPr>
+      <dsp:spPr>
+        <a:xfrm>
+          <a:off x="1337310" y="2011680"/>
+          <a:ext cx="944880" cy="1635760"/>
+        </a:xfrm>
+        <a:prstGeom prst="roundRect">
+          <a:avLst>
+            <a:gd name="adj" fmla="val 10500"/>
+          </a:avLst>
+        </a:prstGeom>
+        <a:solidFill>
+          <a:schemeClr val="lt1">
+            <a:alpha val="90000"/>
+            <a:hueOff val="0"/>
+            <a:satOff val="0"/>
+            <a:lumOff val="0"/>
+            <a:alphaOff val="0"/>
+          </a:schemeClr>
+        </a:solidFill>
+        <a:ln w="15875" cap="flat" cmpd="sng" algn="ctr">
+          <a:solidFill>
+            <a:schemeClr val="accent1">
+              <a:hueOff val="0"/>
+              <a:satOff val="0"/>
+              <a:lumOff val="0"/>
+              <a:alphaOff val="0"/>
+            </a:schemeClr>
+          </a:solidFill>
+          <a:prstDash val="solid"/>
+        </a:ln>
+        <a:effectLst/>
+      </dsp:spPr>
+      <dsp:style>
+        <a:lnRef idx="2">
+          <a:scrgbClr r="0" g="0" b="0"/>
+        </a:lnRef>
+        <a:fillRef idx="1">
+          <a:scrgbClr r="0" g="0" b="0"/>
+        </a:fillRef>
+        <a:effectRef idx="0">
+          <a:scrgbClr r="0" g="0" b="0"/>
+        </a:effectRef>
+        <a:fontRef idx="minor"/>
+      </dsp:style>
+      <dsp:txBody>
+        <a:bodyPr spcFirstLastPara="0" vert="horz" wrap="square" lIns="106680" tIns="106680" rIns="106680" bIns="106680" numCol="1" spcCol="1270" anchor="ctr" anchorCtr="0">
+          <a:noAutofit/>
+        </a:bodyPr>
+        <a:lstStyle/>
+        <a:p>
+          <a:pPr marL="0" lvl="0" indent="0" algn="ctr" defTabSz="1244600" rtl="1">
+            <a:lnSpc>
+              <a:spcPct val="90000"/>
+            </a:lnSpc>
+            <a:spcBef>
+              <a:spcPct val="0"/>
+            </a:spcBef>
+            <a:spcAft>
+              <a:spcPct val="35000"/>
+            </a:spcAft>
+            <a:buNone/>
+          </a:pPr>
+          <a:r>
+            <a:rPr lang="en-US" sz="2800" kern="1200" dirty="0"/>
+            <a:t>def</a:t>
+          </a:r>
+          <a:endParaRPr lang="he-IL" sz="2800" kern="1200" dirty="0"/>
+        </a:p>
+      </dsp:txBody>
+      <dsp:txXfrm>
+        <a:off x="1366368" y="2040738"/>
+        <a:ext cx="886764" cy="1577644"/>
+      </dsp:txXfrm>
+    </dsp:sp>
+    <dsp:sp modelId="{51B241C7-CB37-4504-91B5-D28D15811FBA}">
+      <dsp:nvSpPr>
+        <dsp:cNvPr id="0" name=""/>
+        <dsp:cNvSpPr/>
+      </dsp:nvSpPr>
+      <dsp:spPr>
+        <a:xfrm>
+          <a:off x="2407920" y="2032000"/>
+          <a:ext cx="3383280" cy="1625600"/>
+        </a:xfrm>
+        <a:prstGeom prst="roundRect">
+          <a:avLst>
+            <a:gd name="adj" fmla="val 10500"/>
+          </a:avLst>
+        </a:prstGeom>
+        <a:solidFill>
+          <a:schemeClr val="accent1">
+            <a:hueOff val="0"/>
+            <a:satOff val="0"/>
+            <a:lumOff val="0"/>
+            <a:alphaOff val="0"/>
+          </a:schemeClr>
+        </a:solidFill>
+        <a:ln w="15875" cap="flat" cmpd="sng" algn="ctr">
+          <a:solidFill>
+            <a:schemeClr val="lt1">
+              <a:hueOff val="0"/>
+              <a:satOff val="0"/>
+              <a:lumOff val="0"/>
+              <a:alphaOff val="0"/>
+            </a:schemeClr>
+          </a:solidFill>
+          <a:prstDash val="solid"/>
+        </a:ln>
+        <a:effectLst/>
+      </dsp:spPr>
+      <dsp:style>
+        <a:lnRef idx="2">
+          <a:scrgbClr r="0" g="0" b="0"/>
+        </a:lnRef>
+        <a:fillRef idx="1">
+          <a:scrgbClr r="0" g="0" b="0"/>
+        </a:fillRef>
+        <a:effectRef idx="0">
+          <a:scrgbClr r="0" g="0" b="0"/>
+        </a:effectRef>
+        <a:fontRef idx="minor">
+          <a:schemeClr val="lt1"/>
+        </a:fontRef>
+      </dsp:style>
+      <dsp:txBody>
+        <a:bodyPr spcFirstLastPara="0" vert="horz" wrap="square" lIns="114300" tIns="114300" rIns="114300" bIns="917561" numCol="1" spcCol="1270" anchor="t" anchorCtr="0">
+          <a:noAutofit/>
+        </a:bodyPr>
+        <a:lstStyle/>
+        <a:p>
+          <a:pPr marL="0" lvl="0" indent="0" algn="r" defTabSz="1333500" rtl="1">
+            <a:lnSpc>
+              <a:spcPct val="90000"/>
+            </a:lnSpc>
+            <a:spcBef>
+              <a:spcPct val="0"/>
+            </a:spcBef>
+            <a:spcAft>
+              <a:spcPct val="35000"/>
+            </a:spcAft>
+            <a:buNone/>
+          </a:pPr>
+          <a:r>
+            <a:rPr lang="en-US" sz="3000" kern="1200" dirty="0"/>
+            <a:t>GHI</a:t>
+          </a:r>
+          <a:endParaRPr lang="he-IL" sz="3000" kern="1200" dirty="0"/>
+        </a:p>
+      </dsp:txBody>
+      <dsp:txXfrm>
+        <a:off x="2457913" y="2081993"/>
+        <a:ext cx="3283294" cy="1525614"/>
+      </dsp:txXfrm>
+    </dsp:sp>
+    <dsp:sp modelId="{DC4C0267-EBFE-4793-A7A5-CE1C28B7D83B}">
+      <dsp:nvSpPr>
+        <dsp:cNvPr id="0" name=""/>
+        <dsp:cNvSpPr/>
+      </dsp:nvSpPr>
+      <dsp:spPr>
+        <a:xfrm>
+          <a:off x="2492502" y="2763520"/>
+          <a:ext cx="3214116" cy="731520"/>
+        </a:xfrm>
+        <a:prstGeom prst="roundRect">
+          <a:avLst>
+            <a:gd name="adj" fmla="val 10500"/>
+          </a:avLst>
+        </a:prstGeom>
+        <a:solidFill>
+          <a:schemeClr val="lt1">
+            <a:alpha val="90000"/>
+            <a:hueOff val="0"/>
+            <a:satOff val="0"/>
+            <a:lumOff val="0"/>
+            <a:alphaOff val="0"/>
+          </a:schemeClr>
+        </a:solidFill>
+        <a:ln w="15875" cap="flat" cmpd="sng" algn="ctr">
+          <a:solidFill>
+            <a:schemeClr val="accent1">
+              <a:hueOff val="0"/>
+              <a:satOff val="0"/>
+              <a:lumOff val="0"/>
+              <a:alphaOff val="0"/>
+            </a:schemeClr>
+          </a:solidFill>
+          <a:prstDash val="solid"/>
+        </a:ln>
+        <a:effectLst/>
+      </dsp:spPr>
+      <dsp:style>
+        <a:lnRef idx="2">
+          <a:scrgbClr r="0" g="0" b="0"/>
+        </a:lnRef>
+        <a:fillRef idx="1">
+          <a:scrgbClr r="0" g="0" b="0"/>
+        </a:fillRef>
+        <a:effectRef idx="0">
+          <a:scrgbClr r="0" g="0" b="0"/>
+        </a:effectRef>
+        <a:fontRef idx="minor"/>
+      </dsp:style>
+      <dsp:txBody>
+        <a:bodyPr spcFirstLastPara="0" vert="horz" wrap="square" lIns="106680" tIns="106680" rIns="106680" bIns="106680" numCol="1" spcCol="1270" anchor="ctr" anchorCtr="0">
+          <a:noAutofit/>
+        </a:bodyPr>
+        <a:lstStyle/>
+        <a:p>
+          <a:pPr marL="0" lvl="0" indent="0" algn="ctr" defTabSz="1244600" rtl="1">
+            <a:lnSpc>
+              <a:spcPct val="90000"/>
+            </a:lnSpc>
+            <a:spcBef>
+              <a:spcPct val="0"/>
+            </a:spcBef>
+            <a:spcAft>
+              <a:spcPct val="35000"/>
+            </a:spcAft>
+            <a:buNone/>
+          </a:pPr>
+          <a:r>
+            <a:rPr lang="en-US" sz="2800" kern="1200" dirty="0" err="1"/>
+            <a:t>ghi</a:t>
+          </a:r>
+          <a:endParaRPr lang="he-IL" sz="2800" kern="1200" dirty="0"/>
+        </a:p>
+      </dsp:txBody>
+      <dsp:txXfrm>
+        <a:off x="2514999" y="2786017"/>
+        <a:ext cx="3169122" cy="686526"/>
+      </dsp:txXfrm>
+    </dsp:sp>
+  </dsp:spTree>
+</dsp:drawing>
+</file>
+
+<file path=ppt/diagrams/layout1.xml><?xml version="1.0" encoding="utf-8"?>
+<dgm:layoutDef xmlns:dgm="http://schemas.openxmlformats.org/drawingml/2006/diagram" xmlns:a="http://schemas.openxmlformats.org/drawingml/2006/main" uniqueId="urn:microsoft.com/office/officeart/2005/8/layout/target2">
+  <dgm:title val=""/>
+  <dgm:desc val=""/>
+  <dgm:catLst>
+    <dgm:cat type="relationship" pri="12000"/>
+  </dgm:catLst>
+  <dgm:sampData>
+    <dgm:dataModel>
+      <dgm:ptLst>
+        <dgm:pt modelId="0" type="doc"/>
+        <dgm:pt modelId="1">
+          <dgm:prSet phldr="1"/>
+        </dgm:pt>
+        <dgm:pt modelId="11">
+          <dgm:prSet phldr="1"/>
+        </dgm:pt>
+        <dgm:pt modelId="12">
+          <dgm:prSet phldr="1"/>
+        </dgm:pt>
+        <dgm:pt modelId="2">
+          <dgm:prSet phldr="1"/>
+        </dgm:pt>
+        <dgm:pt modelId="21">
+          <dgm:prSet phldr="1"/>
+        </dgm:pt>
+        <dgm:pt modelId="22">
+          <dgm:prSet phldr="1"/>
+        </dgm:pt>
+        <dgm:pt modelId="3">
+          <dgm:prSet phldr="1"/>
+        </dgm:pt>
+        <dgm:pt modelId="31">
+          <dgm:prSet phldr="1"/>
+        </dgm:pt>
+        <dgm:pt modelId="32">
+          <dgm:prSet phldr="1"/>
+        </dgm:pt>
+      </dgm:ptLst>
+      <dgm:cxnLst>
+        <dgm:cxn modelId="4" srcId="0" destId="1" srcOrd="0" destOrd="0"/>
+        <dgm:cxn modelId="5" srcId="0" destId="2" srcOrd="1" destOrd="0"/>
+        <dgm:cxn modelId="6" srcId="0" destId="3" srcOrd="2" destOrd="0"/>
+        <dgm:cxn modelId="13" srcId="1" destId="11" srcOrd="0" destOrd="0"/>
+        <dgm:cxn modelId="14" srcId="1" destId="12" srcOrd="1" destOrd="0"/>
+        <dgm:cxn modelId="23" srcId="2" destId="21" srcOrd="0" destOrd="0"/>
+        <dgm:cxn modelId="24" srcId="2" destId="22" srcOrd="1" destOrd="0"/>
+        <dgm:cxn modelId="33" srcId="3" destId="31" srcOrd="0" destOrd="0"/>
+        <dgm:cxn modelId="34" srcId="3" destId="32" srcOrd="1" destOrd="0"/>
+      </dgm:cxnLst>
+      <dgm:bg/>
+      <dgm:whole/>
+    </dgm:dataModel>
+  </dgm:sampData>
+  <dgm:styleData>
+    <dgm:dataModel>
+      <dgm:ptLst>
+        <dgm:pt modelId="0" type="doc"/>
+        <dgm:pt modelId="1"/>
+        <dgm:pt modelId="11"/>
+        <dgm:pt modelId="2"/>
+        <dgm:pt modelId="21"/>
+      </dgm:ptLst>
+      <dgm:cxnLst>
+        <dgm:cxn modelId="4" srcId="0" destId="1" srcOrd="0" destOrd="0"/>
+        <dgm:cxn modelId="5" srcId="0" destId="2" srcOrd="1" destOrd="0"/>
+        <dgm:cxn modelId="13" srcId="1" destId="11" srcOrd="0" destOrd="0"/>
+        <dgm:cxn modelId="23" srcId="2" destId="21" srcOrd="0" destOrd="0"/>
+      </dgm:cxnLst>
+      <dgm:bg/>
+      <dgm:whole/>
+    </dgm:dataModel>
+  </dgm:styleData>
+  <dgm:clrData>
+    <dgm:dataModel>
+      <dgm:ptLst>
+        <dgm:pt modelId="0" type="doc"/>
+        <dgm:pt modelId="1"/>
+        <dgm:pt modelId="11"/>
+        <dgm:pt modelId="2"/>
+        <dgm:pt modelId="21"/>
+        <dgm:pt modelId="3"/>
+        <dgm:pt modelId="31"/>
+        <dgm:pt modelId="4"/>
+        <dgm:pt modelId="41"/>
+      </dgm:ptLst>
+      <dgm:cxnLst>
+        <dgm:cxn modelId="5" srcId="0" destId="1" srcOrd="0" destOrd="0"/>
+        <dgm:cxn modelId="6" srcId="0" destId="2" srcOrd="1" destOrd="0"/>
+        <dgm:cxn modelId="7" srcId="0" destId="3" srcOrd="2" destOrd="0"/>
+        <dgm:cxn modelId="8" srcId="0" destId="4" srcOrd="3" destOrd="0"/>
+        <dgm:cxn modelId="13" srcId="1" destId="11" srcOrd="0" destOrd="0"/>
+        <dgm:cxn modelId="23" srcId="2" destId="21" srcOrd="0" destOrd="0"/>
+        <dgm:cxn modelId="33" srcId="3" destId="31" srcOrd="0" destOrd="0"/>
+        <dgm:cxn modelId="43" srcId="4" destId="41" srcOrd="0" destOrd="0"/>
+      </dgm:cxnLst>
+      <dgm:bg/>
+      <dgm:whole/>
+    </dgm:dataModel>
+  </dgm:clrData>
+  <dgm:layoutNode name="Name0">
+    <dgm:varLst>
+      <dgm:chMax val="3"/>
+      <dgm:chPref val="1"/>
+      <dgm:dir/>
+      <dgm:animLvl val="lvl"/>
+      <dgm:resizeHandles/>
+    </dgm:varLst>
+    <dgm:alg type="composite">
+      <dgm:param type="horzAlign" val="none"/>
+      <dgm:param type="vertAlign" val="none"/>
+    </dgm:alg>
+    <dgm:shape xmlns:r="http://schemas.openxmlformats.org/officeDocument/2006/relationships" r:blip="">
+      <dgm:adjLst/>
+    </dgm:shape>
+    <dgm:presOf/>
+    <dgm:choose name="Name1">
+      <dgm:if name="Name2" func="var" arg="dir" op="equ" val="norm">
+        <dgm:choose name="Name3">
+          <dgm:if name="Name4" axis="ch ch" ptType="node node" st="1 1" cnt="1 0" func="cnt" op="gt" val="0">
+            <dgm:choose name="Name5">
+              <dgm:if name="Name6" axis="ch ch" ptType="node node" st="2 1" cnt="1 0" func="cnt" op="gt" val="0">
+                <dgm:constrLst>
+                  <dgm:constr type="primFontSz" for="des" forName="middleBoxParent" val="65"/>
+                  <dgm:constr type="primFontSz" for="des" forName="mChild" val="65"/>
+                  <dgm:constr type="primFontSz" for="des" forName="outerBoxParent" refType="primFontSz" refFor="des" refForName="middleBoxParent" op="equ"/>
+                  <dgm:constr type="primFontSz" for="des" forName="centerBoxParent" refType="primFontSz" refFor="des" refForName="middleBoxParent" op="equ"/>
+                  <dgm:constr type="primFontSz" for="des" forName="oChild" refType="primFontSz" refFor="des" refForName="mChild" op="equ"/>
+                  <dgm:constr type="primFontSz" for="des" forName="cChild" refType="primFontSz" refFor="des" refForName="mChild" op="equ"/>
+                  <dgm:constr type="l" for="ch" forName="outerBox"/>
+                  <dgm:constr type="t" for="ch" forName="outerBox"/>
+                  <dgm:constr type="w" for="ch" forName="outerBox" refType="w"/>
+                  <dgm:constr type="h" for="ch" forName="outerBox" refType="h"/>
+                  <dgm:constr type="l" for="ch" forName="middleBox" refType="w" fact="0.2"/>
+                  <dgm:constr type="t" for="ch" forName="middleBox" refType="h" fact="0.25"/>
+                  <dgm:constr type="w" for="ch" forName="middleBox" refType="w" fact="0.775"/>
+                  <dgm:constr type="h" for="ch" forName="middleBox" refType="h" fact="0.7"/>
+                  <dgm:constr type="l" for="ch" forName="centerBox" refType="w" fact="0.395"/>
+                  <dgm:constr type="t" for="ch" forName="centerBox" refType="h" fact="0.5"/>
+                  <dgm:constr type="w" for="ch" forName="centerBox" refType="w" fact="0.555"/>
+                  <dgm:constr type="h" for="ch" forName="centerBox" refType="h" fact="0.4"/>
+                  <dgm:constr type="userA" for="des" forName="outerSibTrans" refType="w"/>
+                  <dgm:constr type="userA" for="des" forName="middleSibTrans" refType="w"/>
+                  <dgm:constr type="userA" for="des" forName="centerSibTrans" refType="w"/>
+                </dgm:constrLst>
+              </dgm:if>
+              <dgm:else name="Name7">
+                <dgm:constrLst>
+                  <dgm:constr type="primFontSz" for="des" forName="middleBoxParent" val="65"/>
+                  <dgm:constr type="primFontSz" for="des" forName="mChild" val="65"/>
+                  <dgm:constr type="primFontSz" for="des" forName="outerBoxParent" refType="primFontSz" refFor="des" refForName="middleBoxParent" op="equ"/>
+                  <dgm:constr type="primFontSz" for="des" forName="centerBoxParent" refType="primFontSz" refFor="des" refForName="middleBoxParent" op="equ"/>
+                  <dgm:constr type="primFontSz" for="des" forName="oChild" refType="primFontSz" refFor="des" refForName="mChild" op="equ"/>
+                  <dgm:constr type="primFontSz" for="des" forName="cChild" refType="primFontSz" refFor="des" refForName="mChild" op="equ"/>
+                  <dgm:constr type="l" for="ch" forName="outerBox"/>
+                  <dgm:constr type="t" for="ch" forName="outerBox"/>
+                  <dgm:constr type="w" for="ch" forName="outerBox" refType="w"/>
+                  <dgm:constr type="h" for="ch" forName="outerBox" refType="h"/>
+                  <dgm:constr type="l" for="ch" forName="middleBox" refType="w" fact="0.2"/>
+                  <dgm:constr type="t" for="ch" forName="middleBox" refType="h" fact="0.25"/>
+                  <dgm:constr type="w" for="ch" forName="middleBox" refType="w" fact="0.775"/>
+                  <dgm:constr type="h" for="ch" forName="middleBox" refType="h" fact="0.7"/>
+                  <dgm:constr type="l" for="ch" forName="centerBox" refType="w" fact="0.225"/>
+                  <dgm:constr type="t" for="ch" forName="centerBox" refType="h" fact="0.5"/>
+                  <dgm:constr type="w" for="ch" forName="centerBox" refType="w" fact="0.725"/>
+                  <dgm:constr type="h" for="ch" forName="centerBox" refType="h" fact="0.4"/>
+                  <dgm:constr type="userA" for="des" forName="outerSibTrans" refType="w"/>
+                  <dgm:constr type="userA" for="des" forName="middleSibTrans" refType="w"/>
+                  <dgm:constr type="userA" for="des" forName="centerSibTrans" refType="w"/>
+                </dgm:constrLst>
+              </dgm:else>
+            </dgm:choose>
+          </dgm:if>
+          <dgm:else name="Name8">
+            <dgm:choose name="Name9">
+              <dgm:if name="Name10" axis="ch ch" ptType="node node" st="2 1" cnt="1 0" func="cnt" op="gt" val="0">
+                <dgm:constrLst>
+                  <dgm:constr type="primFontSz" for="des" forName="middleBoxParent" val="65"/>
+                  <dgm:constr type="primFontSz" for="des" forName="mChild" val="65"/>
+                  <dgm:constr type="primFontSz" for="des" forName="outerBoxParent" refType="primFontSz" refFor="des" refForName="middleBoxParent" op="equ"/>
+                  <dgm:constr type="primFontSz" for="des" forName="centerBoxParent" refType="primFontSz" refFor="des" refForName="middleBoxParent" op="equ"/>
+                  <dgm:constr type="primFontSz" for="des" forName="oChild" refType="primFontSz" refFor="des" refForName="mChild" op="equ"/>
+                  <dgm:constr type="primFontSz" for="des" forName="cChild" refType="primFontSz" refFor="des" refForName="mChild" op="equ"/>
+                  <dgm:constr type="l" for="ch" forName="outerBox"/>
+                  <dgm:constr type="t" for="ch" forName="outerBox"/>
+                  <dgm:constr type="w" for="ch" forName="outerBox" refType="w"/>
+                  <dgm:constr type="h" for="ch" forName="outerBox" refType="h"/>
+                  <dgm:constr type="l" for="ch" forName="middleBox" refType="w" fact="0.025"/>
+                  <dgm:constr type="t" for="ch" forName="middleBox" refType="h" fact="0.25"/>
+                  <dgm:constr type="w" for="ch" forName="middleBox" refType="w" fact="0.95"/>
+                  <dgm:constr type="h" for="ch" forName="middleBox" refType="h" fact="0.7"/>
+                  <dgm:constr type="l" for="ch" forName="centerBox" refType="w" fact="0.26"/>
+                  <dgm:constr type="t" for="ch" forName="centerBox" refType="h" fact="0.5"/>
+                  <dgm:constr type="w" for="ch" forName="centerBox" refType="w" fact="0.69"/>
+                  <dgm:constr type="h" for="ch" forName="centerBox" refType="h" fact="0.4"/>
+                  <dgm:constr type="userA" for="des" forName="outerSibTrans" refType="w"/>
+                  <dgm:constr type="userA" for="des" forName="middleSibTrans" refType="w"/>
+                  <dgm:constr type="userA" for="des" forName="centerSibTrans" refType="w"/>
+                </dgm:constrLst>
+              </dgm:if>
+              <dgm:else name="Name11">
+                <dgm:constrLst>
+                  <dgm:constr type="primFontSz" for="des" forName="middleBoxParent" val="65"/>
+                  <dgm:constr type="primFontSz" for="des" forName="mChild" val="65"/>
+                  <dgm:constr type="primFontSz" for="des" forName="outerBoxParent" refType="primFontSz" refFor="des" refForName="middleBoxParent" op="equ"/>
+                  <dgm:constr type="primFontSz" for="des" forName="centerBoxParent" refType="primFontSz" refFor="des" refForName="middleBoxParent" op="equ"/>
+                  <dgm:constr type="primFontSz" for="des" forName="oChild" refType="primFontSz" refFor="des" refForName="mChild" op="equ"/>
+                  <dgm:constr type="primFontSz" for="des" forName="cChild" refType="primFontSz" refFor="des" refForName="mChild" op="equ"/>
+                  <dgm:constr type="l" for="ch" forName="outerBox"/>
+                  <dgm:constr type="t" for="ch" forName="outerBox"/>
+                  <dgm:constr type="w" for="ch" forName="outerBox" refType="w"/>
+                  <dgm:constr type="h" for="ch" forName="outerBox" refType="h"/>
+                  <dgm:constr type="l" for="ch" forName="middleBox" refType="w" fact="0.025"/>
+                  <dgm:constr type="t" for="ch" forName="middleBox" refType="h" fact="0.25"/>
+                  <dgm:constr type="w" for="ch" forName="middleBox" refType="w" fact="0.95"/>
+                  <dgm:constr type="h" for="ch" forName="middleBox" refType="h" fact="0.7"/>
+                  <dgm:constr type="l" for="ch" forName="centerBox" refType="w" fact="0.05"/>
+                  <dgm:constr type="t" for="ch" forName="centerBox" refType="h" fact="0.5"/>
+                  <dgm:constr type="w" for="ch" forName="centerBox" refType="w" fact="0.9"/>
+                  <dgm:constr type="h" for="ch" forName="centerBox" refType="h" fact="0.4"/>
+                  <dgm:constr type="userA" for="des" forName="outerSibTrans" refType="w"/>
+                  <dgm:constr type="userA" for="des" forName="middleSibTrans" refType="w"/>
+                  <dgm:constr type="userA" for="des" forName="centerSibTrans" refType="w"/>
+                </dgm:constrLst>
+              </dgm:else>
+            </dgm:choose>
+          </dgm:else>
+        </dgm:choose>
+      </dgm:if>
+      <dgm:else name="Name12">
+        <dgm:choose name="Name13">
+          <dgm:if name="Name14" axis="ch ch" ptType="node node" st="1 1" cnt="1 0" func="cnt" op="gt" val="0">
+            <dgm:choose name="Name15">
+              <dgm:if name="Name16" axis="ch ch" ptType="node node" st="2 1" cnt="1 0" func="cnt" op="gt" val="0">
+                <dgm:constrLst>
+                  <dgm:constr type="primFontSz" for="des" forName="middleBoxParent" val="65"/>
+                  <dgm:constr type="primFontSz" for="des" forName="mChild" val="65"/>
+                  <dgm:constr type="primFontSz" for="des" forName="outerBoxParent" refType="primFontSz" refFor="des" refForName="middleBoxParent" op="equ"/>
+                  <dgm:constr type="primFontSz" for="des" forName="centerBoxParent" refType="primFontSz" refFor="des" refForName="middleBoxParent" op="equ"/>
+                  <dgm:constr type="primFontSz" for="des" forName="oChild" refType="primFontSz" refFor="des" refForName="mChild" op="equ"/>
+                  <dgm:constr type="primFontSz" for="des" forName="cChild" refType="primFontSz" refFor="des" refForName="mChild" op="equ"/>
+                  <dgm:constr type="l" for="ch" forName="outerBox"/>
+                  <dgm:constr type="t" for="ch" forName="outerBox"/>
+                  <dgm:constr type="w" for="ch" forName="outerBox" refType="w"/>
+                  <dgm:constr type="h" for="ch" forName="outerBox" refType="h"/>
+                  <dgm:constr type="l" for="ch" forName="middleBox" refType="w" fact="0.025"/>
+                  <dgm:constr type="t" for="ch" forName="middleBox" refType="h" fact="0.25"/>
+                  <dgm:constr type="w" for="ch" forName="middleBox" refType="w" fact="0.775"/>
+                  <dgm:constr type="h" for="ch" forName="middleBox" refType="h" fact="0.7"/>
+                  <dgm:constr type="l" for="ch" forName="centerBox" refType="w" fact="0.05"/>
+                  <dgm:constr type="t" for="ch" forName="centerBox" refType="h" fact="0.5"/>
+                  <dgm:constr type="w" for="ch" forName="centerBox" refType="w" fact="0.55"/>
+                  <dgm:constr type="h" for="ch" forName="centerBox" refType="h" fact="0.4"/>
+                  <dgm:constr type="userA" for="des" forName="outerSibTrans" refType="w"/>
+                  <dgm:constr type="userA" for="des" forName="middleSibTrans" refType="w"/>
+                  <dgm:constr type="userA" for="des" forName="centerSibTrans" refType="w"/>
+                </dgm:constrLst>
+              </dgm:if>
+              <dgm:else name="Name17">
+                <dgm:constrLst>
+                  <dgm:constr type="primFontSz" for="des" forName="middleBoxParent" val="65"/>
+                  <dgm:constr type="primFontSz" for="des" forName="mChild" val="65"/>
+                  <dgm:constr type="primFontSz" for="des" forName="outerBoxParent" refType="primFontSz" refFor="des" refForName="middleBoxParent" op="equ"/>
+                  <dgm:constr type="primFontSz" for="des" forName="centerBoxParent" refType="primFontSz" refFor="des" refForName="middleBoxParent" op="equ"/>
+                  <dgm:constr type="primFontSz" for="des" forName="oChild" refType="primFontSz" refFor="des" refForName="mChild" op="equ"/>
+                  <dgm:constr type="primFontSz" for="des" forName="cChild" refType="primFontSz" refFor="des" refForName="mChild" op="equ"/>
+                  <dgm:constr type="l" for="ch" forName="outerBox"/>
+                  <dgm:constr type="t" for="ch" forName="outerBox"/>
+                  <dgm:constr type="w" for="ch" forName="outerBox" refType="w"/>
+                  <dgm:constr type="h" for="ch" forName="outerBox" refType="h"/>
+                  <dgm:constr type="l" for="ch" forName="middleBox" refType="w" fact="0.025"/>
+                  <dgm:constr type="t" for="ch" forName="middleBox" refType="h" fact="0.25"/>
+                  <dgm:constr type="w" for="ch" forName="middleBox" refType="w" fact="0.775"/>
+                  <dgm:constr type="h" for="ch" forName="middleBox" refType="h" fact="0.7"/>
+                  <dgm:constr type="l" for="ch" forName="centerBox" refType="w" fact="0.05"/>
+                  <dgm:constr type="t" for="ch" forName="centerBox" refType="h" fact="0.5"/>
+                  <dgm:constr type="w" for="ch" forName="centerBox" refType="w" fact="0.725"/>
+                  <dgm:constr type="h" for="ch" forName="centerBox" refType="h" fact="0.4"/>
+                  <dgm:constr type="userA" for="des" forName="outerSibTrans" refType="w"/>
+                  <dgm:constr type="userA" for="des" forName="middleSibTrans" refType="w"/>
+                  <dgm:constr type="userA" for="des" forName="centerSibTrans" refType="w"/>
+                </dgm:constrLst>
+              </dgm:else>
+            </dgm:choose>
+          </dgm:if>
+          <dgm:else name="Name18">
+            <dgm:choose name="Name19">
+              <dgm:if name="Name20" axis="ch ch" ptType="node node" st="2 1" cnt="1 0" func="cnt" op="gt" val="0">
+                <dgm:constrLst>
+                  <dgm:constr type="primFontSz" for="des" forName="middleBoxParent" val="65"/>
+                  <dgm:constr type="primFontSz" for="des" forName="mChild" val="65"/>
+                  <dgm:constr type="primFontSz" for="des" forName="outerBoxParent" refType="primFontSz" refFor="des" refForName="middleBoxParent" op="equ"/>
+                  <dgm:constr type="primFontSz" for="des" forName="centerBoxParent" refType="primFontSz" refFor="des" refForName="middleBoxParent" op="equ"/>
+                  <dgm:constr type="primFontSz" for="des" forName="oChild" refType="primFontSz" refFor="des" refForName="mChild" op="equ"/>
+                  <dgm:constr type="primFontSz" for="des" forName="cChild" refType="primFontSz" refFor="des" refForName="mChild" op="equ"/>
+                  <dgm:constr type="l" for="ch" forName="outerBox"/>
+                  <dgm:constr type="t" for="ch" forName="outerBox"/>
+                  <dgm:constr type="w" for="ch" forName="outerBox" refType="w"/>
+                  <dgm:constr type="h" for="ch" forName="outerBox" refType="h"/>
+                  <dgm:constr type="l" for="ch" forName="middleBox" refType="w" fact="0.025"/>
+                  <dgm:constr type="t" for="ch" forName="middleBox" refType="h" fact="0.25"/>
+                  <dgm:constr type="w" for="ch" forName="middleBox" refType="w" fact="0.95"/>
+                  <dgm:constr type="h" for="ch" forName="middleBox" refType="h" fact="0.7"/>
+                  <dgm:constr type="l" for="ch" forName="centerBox" refType="w" fact="0.05"/>
+                  <dgm:constr type="t" for="ch" forName="centerBox" refType="h" fact="0.5"/>
+                  <dgm:constr type="w" for="ch" forName="centerBox" refType="w" fact="0.69"/>
+                  <dgm:constr type="h" for="ch" forName="centerBox" refType="h" fact="0.4"/>
+                  <dgm:constr type="userA" for="des" forName="outerSibTrans" refType="w"/>
+                  <dgm:constr type="userA" for="des" forName="middleSibTrans" refType="w"/>
+                  <dgm:constr type="userA" for="des" forName="centerSibTrans" refType="w"/>
+                </dgm:constrLst>
+              </dgm:if>
+              <dgm:else name="Name21">
+                <dgm:constrLst>
+                  <dgm:constr type="primFontSz" for="des" forName="middleBoxParent" val="65"/>
+                  <dgm:constr type="primFontSz" for="des" forName="mChild" val="65"/>
+                  <dgm:constr type="primFontSz" for="des" forName="outerBoxParent" refType="primFontSz" refFor="des" refForName="middleBoxParent" op="equ"/>
+                  <dgm:constr type="primFontSz" for="des" forName="centerBoxParent" refType="primFontSz" refFor="des" refForName="middleBoxParent" op="equ"/>
+                  <dgm:constr type="primFontSz" for="des" forName="oChild" refType="primFontSz" refFor="des" refForName="mChild" op="equ"/>
+                  <dgm:constr type="primFontSz" for="des" forName="cChild" refType="primFontSz" refFor="des" refForName="mChild" op="equ"/>
+                  <dgm:constr type="l" for="ch" forName="outerBox"/>
+                  <dgm:constr type="t" for="ch" forName="outerBox"/>
+                  <dgm:constr type="w" for="ch" forName="outerBox" refType="w"/>
+                  <dgm:constr type="h" for="ch" forName="outerBox" refType="h"/>
+                  <dgm:constr type="l" for="ch" forName="middleBox" refType="w" fact="0.025"/>
+                  <dgm:constr type="t" for="ch" forName="middleBox" refType="h" fact="0.25"/>
+                  <dgm:constr type="w" for="ch" forName="middleBox" refType="w" fact="0.95"/>
+                  <dgm:constr type="h" for="ch" forName="middleBox" refType="h" fact="0.7"/>
+                  <dgm:constr type="l" for="ch" forName="centerBox" refType="w" fact="0.05"/>
+                  <dgm:constr type="t" for="ch" forName="centerBox" refType="h" fact="0.5"/>
+                  <dgm:constr type="w" for="ch" forName="centerBox" refType="w" fact="0.9"/>
+                  <dgm:constr type="h" for="ch" forName="centerBox" refType="h" fact="0.4"/>
+                  <dgm:constr type="userA" for="des" forName="outerSibTrans" refType="w"/>
+                  <dgm:constr type="userA" for="des" forName="middleSibTrans" refType="w"/>
+                  <dgm:constr type="userA" for="des" forName="centerSibTrans" refType="w"/>
+                </dgm:constrLst>
+              </dgm:else>
+            </dgm:choose>
+          </dgm:else>
+        </dgm:choose>
+      </dgm:else>
+    </dgm:choose>
+    <dgm:ruleLst/>
+    <dgm:choose name="Name22">
+      <dgm:if name="Name23" axis="root ch" ptType="all node" st="1 1" cnt="0 0" func="cnt" op="gte" val="1">
+        <dgm:layoutNode name="outerBox" styleLbl="node1">
+          <dgm:alg type="composite">
+            <dgm:param type="horzAlign" val="none"/>
+            <dgm:param type="vertAlign" val="none"/>
+          </dgm:alg>
+          <dgm:shape xmlns:r="http://schemas.openxmlformats.org/officeDocument/2006/relationships" r:blip="">
+            <dgm:adjLst/>
+          </dgm:shape>
+          <dgm:presOf/>
+          <dgm:choose name="Name24">
+            <dgm:if name="Name25" axis="root ch" ptType="all node" st="1 1" cnt="0 0" func="cnt" op="gt" val="1">
+              <dgm:choose name="Name26">
+                <dgm:if name="Name27" func="var" arg="dir" op="equ" val="norm">
+                  <dgm:constrLst>
+                    <dgm:constr type="l" for="ch" forName="outerBoxParent"/>
+                    <dgm:constr type="t" for="ch" forName="outerBoxParent"/>
+                    <dgm:constr type="w" for="ch" forName="outerBoxParent" refType="w"/>
+                    <dgm:constr type="h" for="ch" forName="outerBoxParent" refType="h"/>
+                    <dgm:constr type="bMarg" for="ch" forName="outerBoxParent" refType="h" fact="2.2"/>
+                    <dgm:constr type="l" for="ch" forName="outerBoxChildren" refType="w" fact="0.025"/>
+                    <dgm:constr type="t" for="ch" forName="outerBoxChildren" refType="h" fact="0.25"/>
+                    <dgm:constr type="w" for="ch" forName="outerBoxChildren" refType="w" fact="0.15"/>
+                    <dgm:constr type="h" for="ch" forName="outerBoxChildren" refType="h" fact="0.7"/>
+                  </dgm:constrLst>
+                </dgm:if>
+                <dgm:else name="Name28">
+                  <dgm:constrLst>
+                    <dgm:constr type="l" for="ch" forName="outerBoxParent"/>
+                    <dgm:constr type="t" for="ch" forName="outerBoxParent"/>
+                    <dgm:constr type="w" for="ch" forName="outerBoxParent" refType="w"/>
+                    <dgm:constr type="h" for="ch" forName="outerBoxParent" refType="h"/>
+                    <dgm:constr type="bMarg" for="ch" forName="outerBoxParent" refType="h" fact="2.2"/>
+                    <dgm:constr type="l" for="ch" forName="outerBoxChildren" refType="w" fact="0.825"/>
+                    <dgm:constr type="t" for="ch" forName="outerBoxChildren" refType="h" fact="0.25"/>
+                    <dgm:constr type="w" for="ch" forName="outerBoxChildren" refType="w" fact="0.15"/>
+                    <dgm:constr type="h" for="ch" forName="outerBoxChildren" refType="h" fact="0.7"/>
+                  </dgm:constrLst>
+                </dgm:else>
+              </dgm:choose>
+            </dgm:if>
+            <dgm:else name="Name29">
+              <dgm:constrLst>
+                <dgm:constr type="l" for="ch" forName="outerBoxParent"/>
+                <dgm:constr type="t" for="ch" forName="outerBoxParent"/>
+                <dgm:constr type="w" for="ch" forName="outerBoxParent" refType="w"/>
+                <dgm:constr type="h" for="ch" forName="outerBoxParent" refType="h"/>
+                <dgm:constr type="bMarg" for="ch" forName="outerBoxParent" refType="h" fact="1.75"/>
+                <dgm:constr type="l" for="ch" forName="outerBoxChildren" refType="w" fact="0.025"/>
+                <dgm:constr type="t" for="ch" forName="outerBoxChildren" refType="h" fact="0.45"/>
+                <dgm:constr type="w" for="ch" forName="outerBoxChildren" refType="w" fact="0.95"/>
+                <dgm:constr type="h" for="ch" forName="outerBoxChildren" refType="h" fact="0.45"/>
+              </dgm:constrLst>
+            </dgm:else>
+          </dgm:choose>
+          <dgm:ruleLst/>
+          <dgm:layoutNode name="outerBoxParent" styleLbl="node1">
+            <dgm:alg type="tx">
+              <dgm:param type="txAnchorVert" val="t"/>
+              <dgm:param type="parTxLTRAlign" val="l"/>
+              <dgm:param type="parTxRTLAlign" val="r"/>
+            </dgm:alg>
+            <dgm:shape xmlns:r="http://schemas.openxmlformats.org/officeDocument/2006/relationships" type="roundRect" r:blip="">
+              <dgm:adjLst>
+                <dgm:adj idx="1" val="0.085"/>
+              </dgm:adjLst>
+            </dgm:shape>
+            <dgm:presOf axis="ch" ptType="node" cnt="1"/>
+            <dgm:constrLst>
+              <dgm:constr type="tMarg" refType="primFontSz" fact="0.3"/>
+              <dgm:constr type="lMarg" refType="primFontSz" fact="0.3"/>
+              <dgm:constr type="rMarg" refType="primFontSz" fact="0.3"/>
+            </dgm:constrLst>
+            <dgm:ruleLst>
+              <dgm:rule type="primFontSz" val="5" fact="NaN" max="NaN"/>
+            </dgm:ruleLst>
+          </dgm:layoutNode>
+          <dgm:layoutNode name="outerBoxChildren">
+            <dgm:choose name="Name30">
+              <dgm:if name="Name31" axis="root ch" ptType="all node" st="1 1" cnt="0 0" func="cnt" op="gt" val="1">
+                <dgm:alg type="lin">
+                  <dgm:param type="linDir" val="fromT"/>
+                  <dgm:param type="vertAlign" val="t"/>
+                </dgm:alg>
+              </dgm:if>
+              <dgm:else name="Name32">
+                <dgm:choose name="Name33">
+                  <dgm:if name="Name34" func="var" arg="dir" op="equ" val="norm">
+                    <dgm:alg type="lin">
+                      <dgm:param type="horzAlign" val="l"/>
+                    </dgm:alg>
+                  </dgm:if>
+                  <dgm:else name="Name35">
+                    <dgm:alg type="lin">
+                      <dgm:param type="linDir" val="fromR"/>
+                      <dgm:param type="horzAlign" val="r"/>
+                    </dgm:alg>
+                  </dgm:else>
+                </dgm:choose>
+              </dgm:else>
+            </dgm:choose>
+            <dgm:shape xmlns:r="http://schemas.openxmlformats.org/officeDocument/2006/relationships" r:blip="">
+              <dgm:adjLst/>
+            </dgm:shape>
+            <dgm:presOf/>
+            <dgm:constrLst>
+              <dgm:constr type="w" for="ch" forName="oChild" refType="w"/>
+              <dgm:constr type="h" for="ch" forName="oChild" refType="h"/>
+            </dgm:constrLst>
+            <dgm:ruleLst/>
+            <dgm:forEach name="Name36" axis="ch ch" ptType="node node" st="1 1" cnt="1 0">
+              <dgm:layoutNode name="oChild" styleLbl="fgAcc1">
+                <dgm:varLst>
+                  <dgm:bulletEnabled val="1"/>
+                </dgm:varLst>
+                <dgm:alg type="tx"/>
+                <dgm:shape xmlns:r="http://schemas.openxmlformats.org/officeDocument/2006/relationships" type="roundRect" r:blip="">
+                  <dgm:adjLst>
+                    <dgm:adj idx="1" val="0.105"/>
+                  </dgm:adjLst>
+                </dgm:shape>
+                <dgm:presOf axis="desOrSelf" ptType="node"/>
+                <dgm:constrLst>
+                  <dgm:constr type="tMarg" refType="primFontSz" fact="0.3"/>
+                  <dgm:constr type="bMarg" refType="primFontSz" fact="0.3"/>
+                  <dgm:constr type="lMarg" refType="primFontSz" fact="0.3"/>
+                  <dgm:constr type="rMarg" refType="primFontSz" fact="0.3"/>
+                </dgm:constrLst>
+                <dgm:ruleLst>
+                  <dgm:rule type="primFontSz" val="5" fact="NaN" max="NaN"/>
+                </dgm:ruleLst>
+              </dgm:layoutNode>
+              <dgm:forEach name="Name37" axis="followSib" ptType="sibTrans" cnt="1">
+                <dgm:layoutNode name="outerSibTrans">
+                  <dgm:alg type="sp"/>
+                  <dgm:shape xmlns:r="http://schemas.openxmlformats.org/officeDocument/2006/relationships" r:blip="">
+                    <dgm:adjLst/>
+                  </dgm:shape>
+                  <dgm:presOf/>
+                  <dgm:constrLst>
+                    <dgm:constr type="userA"/>
+                    <dgm:constr type="w" refType="userA" fact="0.015"/>
+                    <dgm:constr type="h" refType="userA" fact="0.015"/>
+                  </dgm:constrLst>
+                  <dgm:ruleLst/>
+                </dgm:layoutNode>
+              </dgm:forEach>
+            </dgm:forEach>
+          </dgm:layoutNode>
+        </dgm:layoutNode>
+      </dgm:if>
+      <dgm:else name="Name38"/>
+    </dgm:choose>
+    <dgm:choose name="Name39">
+      <dgm:if name="Name40" axis="root ch" ptType="all node" st="1 1" cnt="0 0" func="cnt" op="gte" val="2">
+        <dgm:layoutNode name="middleBox">
+          <dgm:alg type="composite">
+            <dgm:param type="horzAlign" val="none"/>
+            <dgm:param type="vertAlign" val="none"/>
+          </dgm:alg>
+          <dgm:shape xmlns:r="http://schemas.openxmlformats.org/officeDocument/2006/relationships" r:blip="">
+            <dgm:adjLst/>
+          </dgm:shape>
+          <dgm:presOf/>
+          <dgm:choose name="Name41">
+            <dgm:if name="Name42" axis="root ch" ptType="all node" st="1 1" cnt="0 0" func="cnt" op="gt" val="2">
+              <dgm:choose name="Name43">
+                <dgm:if name="Name44" func="var" arg="dir" op="equ" val="norm">
+                  <dgm:constrLst>
+                    <dgm:constr type="l" for="ch" forName="middleBoxParent"/>
+                    <dgm:constr type="t" for="ch" forName="middleBoxParent"/>
+                    <dgm:constr type="w" for="ch" forName="middleBoxParent" refType="w"/>
+                    <dgm:constr type="h" for="ch" forName="middleBoxParent" refType="h"/>
+                    <dgm:constr type="bMarg" for="ch" forName="middleBoxParent" refType="h" fact="1.8"/>
+                    <dgm:constr type="l" for="ch" forName="middleBoxChildren" refType="w" fact="0.025"/>
+                    <dgm:constr type="t" for="ch" forName="middleBoxChildren" refType="h" fact="0.35"/>
+                    <dgm:constr type="w" for="ch" forName="middleBoxChildren" refType="w" fact="0.2"/>
+                    <dgm:constr type="h" for="ch" forName="middleBoxChildren" refType="h" fact="0.575"/>
+                  </dgm:constrLst>
+                </dgm:if>
+                <dgm:else name="Name45">
+                  <dgm:constrLst>
+                    <dgm:constr type="l" for="ch" forName="middleBoxParent"/>
+                    <dgm:constr type="t" for="ch" forName="middleBoxParent"/>
+                    <dgm:constr type="w" for="ch" forName="middleBoxParent" refType="w"/>
+                    <dgm:constr type="h" for="ch" forName="middleBoxParent" refType="h"/>
+                    <dgm:constr type="bMarg" for="ch" forName="middleBoxParent" refType="h" fact="1.8"/>
+                    <dgm:constr type="l" for="ch" forName="middleBoxChildren" refType="w" fact="0.775"/>
+                    <dgm:constr type="t" for="ch" forName="middleBoxChildren" refType="h" fact="0.35"/>
+                    <dgm:constr type="w" for="ch" forName="middleBoxChildren" refType="w" fact="0.2"/>
+                    <dgm:constr type="h" for="ch" forName="middleBoxChildren" refType="h" fact="0.575"/>
+                  </dgm:constrLst>
+                </dgm:else>
+              </dgm:choose>
+            </dgm:if>
+            <dgm:else name="Name46">
+              <dgm:constrLst>
+                <dgm:constr type="l" for="ch" forName="middleBoxParent"/>
+                <dgm:constr type="t" for="ch" forName="middleBoxParent"/>
+                <dgm:constr type="w" for="ch" forName="middleBoxParent" refType="w"/>
+                <dgm:constr type="h" for="ch" forName="middleBoxParent" refType="h"/>
+                <dgm:constr type="bMarg" for="ch" forName="middleBoxParent" refType="h" fact="1.8"/>
+                <dgm:constr type="l" for="ch" forName="middleBoxChildren" refType="w" fact="0.025"/>
+                <dgm:constr type="t" for="ch" forName="middleBoxChildren" refType="h" fact="0.45"/>
+                <dgm:constr type="w" for="ch" forName="middleBoxChildren" refType="w" fact="0.95"/>
+                <dgm:constr type="h" for="ch" forName="middleBoxChildren" refType="h" fact="0.45"/>
+              </dgm:constrLst>
+            </dgm:else>
+          </dgm:choose>
+          <dgm:ruleLst/>
+          <dgm:layoutNode name="middleBoxParent" styleLbl="node1">
+            <dgm:alg type="tx">
+              <dgm:param type="txAnchorVert" val="t"/>
+              <dgm:param type="parTxLTRAlign" val="l"/>
+              <dgm:param type="parTxRTLAlign" val="r"/>
+            </dgm:alg>
+            <dgm:shape xmlns:r="http://schemas.openxmlformats.org/officeDocument/2006/relationships" type="roundRect" r:blip="">
+              <dgm:adjLst>
+                <dgm:adj idx="1" val="0.105"/>
+              </dgm:adjLst>
+            </dgm:shape>
+            <dgm:presOf axis="ch" ptType="node" st="2" cnt="1"/>
+            <dgm:constrLst>
+              <dgm:constr type="tMarg" refType="primFontSz" fact="0.3"/>
+              <dgm:constr type="lMarg" refType="primFontSz" fact="0.3"/>
+              <dgm:constr type="rMarg" refType="primFontSz" fact="0.3"/>
+            </dgm:constrLst>
+            <dgm:ruleLst>
+              <dgm:rule type="primFontSz" val="5" fact="NaN" max="NaN"/>
+            </dgm:ruleLst>
+          </dgm:layoutNode>
+          <dgm:layoutNode name="middleBoxChildren">
+            <dgm:choose name="Name47">
+              <dgm:if name="Name48" axis="root ch" ptType="all node" st="1 1" cnt="0 0" func="cnt" op="gt" val="2">
+                <dgm:alg type="lin">
+                  <dgm:param type="linDir" val="fromT"/>
+                  <dgm:param type="vertAlign" val="t"/>
+                </dgm:alg>
+              </dgm:if>
+              <dgm:else name="Name49">
+                <dgm:choose name="Name50">
+                  <dgm:if name="Name51" func="var" arg="dir" op="equ" val="norm">
+                    <dgm:alg type="lin">
+                      <dgm:param type="horzAlign" val="l"/>
+                    </dgm:alg>
+                  </dgm:if>
+                  <dgm:else name="Name52">
+                    <dgm:alg type="lin">
+                      <dgm:param type="linDir" val="fromR"/>
+                      <dgm:param type="horzAlign" val="r"/>
+                    </dgm:alg>
+                  </dgm:else>
+                </dgm:choose>
+              </dgm:else>
+            </dgm:choose>
+            <dgm:shape xmlns:r="http://schemas.openxmlformats.org/officeDocument/2006/relationships" r:blip="">
+              <dgm:adjLst/>
+            </dgm:shape>
+            <dgm:presOf/>
+            <dgm:constrLst>
+              <dgm:constr type="w" for="ch" forName="mChild" refType="w"/>
+              <dgm:constr type="h" for="ch" forName="mChild" refType="h"/>
+            </dgm:constrLst>
+            <dgm:ruleLst/>
+            <dgm:forEach name="Name53" axis="ch ch" ptType="node node" st="2 1" cnt="1 0">
+              <dgm:layoutNode name="mChild" styleLbl="fgAcc1">
+                <dgm:varLst>
+                  <dgm:bulletEnabled val="1"/>
+                </dgm:varLst>
+                <dgm:alg type="tx"/>
+                <dgm:shape xmlns:r="http://schemas.openxmlformats.org/officeDocument/2006/relationships" type="roundRect" r:blip="">
+                  <dgm:adjLst>
+                    <dgm:adj idx="1" val="0.105"/>
+                  </dgm:adjLst>
+                </dgm:shape>
+                <dgm:presOf axis="desOrSelf" ptType="node"/>
+                <dgm:constrLst>
+                  <dgm:constr type="tMarg" refType="primFontSz" fact="0.3"/>
+                  <dgm:constr type="bMarg" refType="primFontSz" fact="0.3"/>
+                  <dgm:constr type="lMarg" refType="primFontSz" fact="0.3"/>
+                  <dgm:constr type="rMarg" refType="primFontSz" fact="0.3"/>
+                </dgm:constrLst>
+                <dgm:ruleLst>
+                  <dgm:rule type="primFontSz" val="5" fact="NaN" max="NaN"/>
+                </dgm:ruleLst>
+              </dgm:layoutNode>
+              <dgm:forEach name="Name54" axis="followSib" ptType="sibTrans" cnt="1">
+                <dgm:layoutNode name="middleSibTrans">
+                  <dgm:alg type="sp"/>
+                  <dgm:shape xmlns:r="http://schemas.openxmlformats.org/officeDocument/2006/relationships" r:blip="">
+                    <dgm:adjLst/>
+                  </dgm:shape>
+                  <dgm:presOf/>
+                  <dgm:constrLst>
+                    <dgm:constr type="userA"/>
+                    <dgm:constr type="w" refType="userA" fact="0.015"/>
+                    <dgm:constr type="h" refType="userA" fact="0.015"/>
+                  </dgm:constrLst>
+                  <dgm:ruleLst/>
+                </dgm:layoutNode>
+              </dgm:forEach>
+            </dgm:forEach>
+          </dgm:layoutNode>
+        </dgm:layoutNode>
+      </dgm:if>
+      <dgm:else name="Name55"/>
+    </dgm:choose>
+    <dgm:choose name="Name56">
+      <dgm:if name="Name57" axis="root ch" ptType="all node" st="1 1" cnt="0 0" func="cnt" op="gte" val="3">
+        <dgm:layoutNode name="centerBox">
+          <dgm:alg type="composite">
+            <dgm:param type="horzAlign" val="none"/>
+            <dgm:param type="vertAlign" val="none"/>
+          </dgm:alg>
+          <dgm:shape xmlns:r="http://schemas.openxmlformats.org/officeDocument/2006/relationships" r:blip="">
+            <dgm:adjLst/>
+          </dgm:shape>
+          <dgm:presOf/>
+          <dgm:choose name="Name58">
+            <dgm:if name="Name59" axis="ch ch" ptType="node node" st="3 1" cnt="1 0" func="cnt" op="gt" val="0">
+              <dgm:constrLst>
+                <dgm:constr type="l" for="ch" forName="centerBoxParent"/>
+                <dgm:constr type="t" for="ch" forName="centerBoxParent"/>
+                <dgm:constr type="w" for="ch" forName="centerBoxParent" refType="w"/>
+                <dgm:constr type="h" for="ch" forName="centerBoxParent" refType="h"/>
+                <dgm:constr type="bMarg" for="ch" forName="centerBoxParent" refType="h" fact="1.6"/>
+                <dgm:constr type="l" for="ch" forName="centerBoxChildren" refType="w" fact="0.025"/>
+                <dgm:constr type="t" for="ch" forName="centerBoxChildren" refType="h" fact="0.45"/>
+                <dgm:constr type="w" for="ch" forName="centerBoxChildren" refType="w" fact="0.95"/>
+                <dgm:constr type="h" for="ch" forName="centerBoxChildren" refType="h" fact="0.45"/>
+              </dgm:constrLst>
+            </dgm:if>
+            <dgm:else name="Name60">
+              <dgm:constrLst>
+                <dgm:constr type="l" for="ch" forName="centerBoxParent"/>
+                <dgm:constr type="t" for="ch" forName="centerBoxParent"/>
+                <dgm:constr type="w" for="ch" forName="centerBoxParent" refType="w"/>
+                <dgm:constr type="h" for="ch" forName="centerBoxParent" refType="h"/>
+              </dgm:constrLst>
+            </dgm:else>
+          </dgm:choose>
+          <dgm:ruleLst/>
+          <dgm:layoutNode name="centerBoxParent" styleLbl="node1">
+            <dgm:alg type="tx">
+              <dgm:param type="txAnchorVert" val="t"/>
+              <dgm:param type="parTxLTRAlign" val="l"/>
+              <dgm:param type="parTxRTLAlign" val="r"/>
+            </dgm:alg>
+            <dgm:shape xmlns:r="http://schemas.openxmlformats.org/officeDocument/2006/relationships" type="roundRect" r:blip="">
+              <dgm:adjLst>
+                <dgm:adj idx="1" val="0.105"/>
+              </dgm:adjLst>
+            </dgm:shape>
+            <dgm:presOf axis="ch" ptType="node" st="3" cnt="1"/>
+            <dgm:constrLst>
+              <dgm:constr type="tMarg" refType="primFontSz" fact="0.3"/>
+              <dgm:constr type="lMarg" refType="primFontSz" fact="0.3"/>
+              <dgm:constr type="rMarg" refType="primFontSz" fact="0.3"/>
+            </dgm:constrLst>
+            <dgm:ruleLst>
+              <dgm:rule type="primFontSz" val="5" fact="NaN" max="NaN"/>
+            </dgm:ruleLst>
+          </dgm:layoutNode>
+          <dgm:choose name="Name61">
+            <dgm:if name="Name62" axis="ch ch" ptType="node node" st="3 1" cnt="1 0" func="cnt" op="gt" val="0">
+              <dgm:layoutNode name="centerBoxChildren">
+                <dgm:choose name="Name63">
+                  <dgm:if name="Name64" func="var" arg="dir" op="equ" val="norm">
+                    <dgm:alg type="lin">
+                      <dgm:param type="horzAlign" val="l"/>
+                    </dgm:alg>
+                  </dgm:if>
+                  <dgm:else name="Name65">
+                    <dgm:alg type="lin">
+                      <dgm:param type="linDir" val="fromR"/>
+                      <dgm:param type="horzAlign" val="r"/>
+                    </dgm:alg>
+                  </dgm:else>
+                </dgm:choose>
+                <dgm:shape xmlns:r="http://schemas.openxmlformats.org/officeDocument/2006/relationships" r:blip="">
+                  <dgm:adjLst/>
+                </dgm:shape>
+                <dgm:presOf/>
+                <dgm:constrLst>
+                  <dgm:constr type="w" for="ch" forName="cChild" refType="w"/>
+                  <dgm:constr type="h" for="ch" forName="cChild" refType="h"/>
+                </dgm:constrLst>
+                <dgm:ruleLst/>
+                <dgm:forEach name="Name66" axis="ch ch" ptType="node node" st="3 1" cnt="1 0">
+                  <dgm:layoutNode name="cChild" styleLbl="fgAcc1">
+                    <dgm:varLst>
+                      <dgm:bulletEnabled val="1"/>
+                    </dgm:varLst>
+                    <dgm:alg type="tx"/>
+                    <dgm:shape xmlns:r="http://schemas.openxmlformats.org/officeDocument/2006/relationships" type="roundRect" r:blip="">
+                      <dgm:adjLst>
+                        <dgm:adj idx="1" val="0.105"/>
+                      </dgm:adjLst>
+                    </dgm:shape>
+                    <dgm:presOf axis="desOrSelf" ptType="node"/>
+                    <dgm:constrLst>
+                      <dgm:constr type="tMarg" refType="primFontSz" fact="0.3"/>
+                      <dgm:constr type="bMarg" refType="primFontSz" fact="0.3"/>
+                      <dgm:constr type="lMarg" refType="primFontSz" fact="0.3"/>
+                      <dgm:constr type="rMarg" refType="primFontSz" fact="0.3"/>
+                    </dgm:constrLst>
+                    <dgm:ruleLst>
+                      <dgm:rule type="primFontSz" val="5" fact="NaN" max="NaN"/>
+                    </dgm:ruleLst>
+                  </dgm:layoutNode>
+                  <dgm:forEach name="Name67" axis="followSib" ptType="sibTrans" cnt="1">
+                    <dgm:layoutNode name="centerSibTrans">
+                      <dgm:alg type="sp"/>
+                      <dgm:shape xmlns:r="http://schemas.openxmlformats.org/officeDocument/2006/relationships" r:blip="">
+                        <dgm:adjLst/>
+                      </dgm:shape>
+                      <dgm:presOf/>
+                      <dgm:constrLst>
+                        <dgm:constr type="userA"/>
+                        <dgm:constr type="w" refType="userA" fact="0.015"/>
+                        <dgm:constr type="h" refType="userA" fact="0.015"/>
+                      </dgm:constrLst>
+                      <dgm:ruleLst/>
+                    </dgm:layoutNode>
+                  </dgm:forEach>
+                </dgm:forEach>
+              </dgm:layoutNode>
+            </dgm:if>
+            <dgm:else name="Name68"/>
+          </dgm:choose>
+        </dgm:layoutNode>
+      </dgm:if>
+      <dgm:else name="Name69"/>
+    </dgm:choose>
+  </dgm:layoutNode>
+</dgm:layoutDef>
+</file>
+
+<file path=ppt/diagrams/quickStyle1.xml><?xml version="1.0" encoding="utf-8"?>
+<dgm:styleDef xmlns:dgm="http://schemas.openxmlformats.org/drawingml/2006/diagram" xmlns:a="http://schemas.openxmlformats.org/drawingml/2006/main" uniqueId="urn:microsoft.com/office/officeart/2005/8/quickstyle/simple1">
+  <dgm:title val=""/>
+  <dgm:desc val=""/>
+  <dgm:catLst>
+    <dgm:cat type="simple" pri="10100"/>
+  </dgm:catLst>
+  <dgm:scene3d>
+    <a:camera prst="orthographicFront"/>
+    <a:lightRig rig="threePt" dir="t"/>
+  </dgm:scene3d>
+  <dgm:styleLbl name="node0">
+    <dgm:scene3d>
+      <a:camera prst="orthographicFront"/>
+      <a:lightRig rig="threePt" dir="t"/>
+    </dgm:scene3d>
+    <dgm:sp3d/>
+    <dgm:txPr/>
+    <dgm:style>
+      <a:lnRef idx="2">
+        <a:scrgbClr r="0" g="0" b="0"/>
+      </a:lnRef>
+      <a:fillRef idx="1">
+        <a:scrgbClr r="0" g="0" b="0"/>
+      </a:fillRef>
+      <a:effectRef idx="0">
+        <a:scrgbClr r="0" g="0" b="0"/>
+      </a:effectRef>
+      <a:fontRef idx="minor">
+        <a:schemeClr val="lt1"/>
+      </a:fontRef>
+    </dgm:style>
+  </dgm:styleLbl>
+  <dgm:styleLbl name="lnNode1">
+    <dgm:scene3d>
+      <a:camera prst="orthographicFront"/>
+      <a:lightRig rig="threePt" dir="t"/>
+    </dgm:scene3d>
+    <dgm:sp3d/>
+    <dgm:txPr/>
+    <dgm:style>
+      <a:lnRef idx="2">
+        <a:scrgbClr r="0" g="0" b="0"/>
+      </a:lnRef>
+      <a:fillRef idx="1">
+        <a:scrgbClr r="0" g="0" b="0"/>
+      </a:fillRef>
+      <a:effectRef idx="0">
+        <a:scrgbClr r="0" g="0" b="0"/>
+      </a:effectRef>
+      <a:fontRef idx="minor">
+        <a:schemeClr val="lt1"/>
+      </a:fontRef>
+    </dgm:style>
+  </dgm:styleLbl>
+  <dgm:styleLbl name="vennNode1">
+    <dgm:scene3d>
+      <a:camera prst="orthographicFront"/>
+      <a:lightRig rig="threePt" dir="t"/>
+    </dgm:scene3d>
+    <dgm:sp3d/>
+    <dgm:txPr/>
+    <dgm:style>
+      <a:lnRef idx="2">
+        <a:scrgbClr r="0" g="0" b="0"/>
+      </a:lnRef>
+      <a:fillRef idx="1">
+        <a:scrgbClr r="0" g="0" b="0"/>
+      </a:fillRef>
+      <a:effectRef idx="0">
+        <a:scrgbClr r="0" g="0" b="0"/>
+      </a:effectRef>
+      <a:fontRef idx="minor">
+        <a:schemeClr val="tx1"/>
+      </a:fontRef>
+    </dgm:style>
+  </dgm:styleLbl>
+  <dgm:styleLbl name="alignNode1">
+    <dgm:scene3d>
+      <a:camera prst="orthographicFront"/>
+      <a:lightRig rig="threePt" dir="t"/>
+    </dgm:scene3d>
+    <dgm:sp3d/>
+    <dgm:txPr/>
+    <dgm:style>
+      <a:lnRef idx="2">
+        <a:scrgbClr r="0" g="0" b="0"/>
+      </a:lnRef>
+      <a:fillRef idx="1">
+        <a:scrgbClr r="0" g="0" b="0"/>
+      </a:fillRef>
+      <a:effectRef idx="0">
+        <a:scrgbClr r="0" g="0" b="0"/>
+      </a:effectRef>
+      <a:fontRef idx="minor">
+        <a:schemeClr val="lt1"/>
+      </a:fontRef>
+    </dgm:style>
+  </dgm:styleLbl>
+  <dgm:styleLbl name="node1">
+    <dgm:scene3d>
+      <a:camera prst="orthographicFront"/>
+      <a:lightRig rig="threePt" dir="t"/>
+    </dgm:scene3d>
+    <dgm:sp3d/>
+    <dgm:txPr/>
+    <dgm:style>
+      <a:lnRef idx="2">
+        <a:scrgbClr r="0" g="0" b="0"/>
+      </a:lnRef>
+      <a:fillRef idx="1">
+        <a:scrgbClr r="0" g="0" b="0"/>
+      </a:fillRef>
+      <a:effectRef idx="0">
+        <a:scrgbClr r="0" g="0" b="0"/>
+      </a:effectRef>
+      <a:fontRef idx="minor">
+        <a:schemeClr val="lt1"/>
+      </a:fontRef>
+    </dgm:style>
+  </dgm:styleLbl>
+  <dgm:styleLbl name="node2">
+    <dgm:scene3d>
+      <a:camera prst="orthographicFront"/>
+      <a:lightRig rig="threePt" dir="t"/>
+    </dgm:scene3d>
+    <dgm:sp3d/>
+    <dgm:txPr/>
+    <dgm:style>
+      <a:lnRef idx="2">
+        <a:scrgbClr r="0" g="0" b="0"/>
+      </a:lnRef>
+      <a:fillRef idx="1">
+        <a:scrgbClr r="0" g="0" b="0"/>
+      </a:fillRef>
+      <a:effectRef idx="0">
+        <a:scrgbClr r="0" g="0" b="0"/>
+      </a:effectRef>
+      <a:fontRef idx="minor">
+        <a:schemeClr val="lt1"/>
+      </a:fontRef>
+    </dgm:style>
+  </dgm:styleLbl>
+  <dgm:styleLbl name="node3">
+    <dgm:scene3d>
+      <a:camera prst="orthographicFront"/>
+      <a:lightRig rig="threePt" dir="t"/>
+    </dgm:scene3d>
+    <dgm:sp3d/>
+    <dgm:txPr/>
+    <dgm:style>
+      <a:lnRef idx="2">
+        <a:scrgbClr r="0" g="0" b="0"/>
+      </a:lnRef>
+      <a:fillRef idx="1">
+        <a:scrgbClr r="0" g="0" b="0"/>
+      </a:fillRef>
+      <a:effectRef idx="0">
+        <a:scrgbClr r="0" g="0" b="0"/>
+      </a:effectRef>
+      <a:fontRef idx="minor">
+        <a:schemeClr val="lt1"/>
+      </a:fontRef>
+    </dgm:style>
+  </dgm:styleLbl>
+  <dgm:styleLbl name="node4">
+    <dgm:scene3d>
+      <a:camera prst="orthographicFront"/>
+      <a:lightRig rig="threePt" dir="t"/>
+    </dgm:scene3d>
+    <dgm:sp3d/>
+    <dgm:txPr/>
+    <dgm:style>
+      <a:lnRef idx="2">
+        <a:scrgbClr r="0" g="0" b="0"/>
+      </a:lnRef>
+      <a:fillRef idx="1">
+        <a:scrgbClr r="0" g="0" b="0"/>
+      </a:fillRef>
+      <a:effectRef idx="0">
+        <a:scrgbClr r="0" g="0" b="0"/>
+      </a:effectRef>
+      <a:fontRef idx="minor">
+        <a:schemeClr val="lt1"/>
+      </a:fontRef>
+    </dgm:style>
+  </dgm:styleLbl>
+  <dgm:styleLbl name="fgImgPlace1">
+    <dgm:scene3d>
+      <a:camera prst="orthographicFront"/>
+      <a:lightRig rig="threePt" dir="t"/>
+    </dgm:scene3d>
+    <dgm:sp3d/>
+    <dgm:txPr/>
+    <dgm:style>
+      <a:lnRef idx="2">
+        <a:scrgbClr r="0" g="0" b="0"/>
+      </a:lnRef>
+      <a:fillRef idx="1">
+        <a:scrgbClr r="0" g="0" b="0"/>
+      </a:fillRef>
+      <a:effectRef idx="0">
+        <a:scrgbClr r="0" g="0" b="0"/>
+      </a:effectRef>
+      <a:fontRef idx="minor"/>
+    </dgm:style>
+  </dgm:styleLbl>
+  <dgm:styleLbl name="alignImgPlace1">
+    <dgm:scene3d>
+      <a:camera prst="orthographicFront"/>
+      <a:lightRig rig="threePt" dir="t"/>
+    </dgm:scene3d>
+    <dgm:sp3d/>
+    <dgm:txPr/>
+    <dgm:style>
+      <a:lnRef idx="2">
+        <a:scrgbClr r="0" g="0" b="0"/>
+      </a:lnRef>
+      <a:fillRef idx="1">
+        <a:scrgbClr r="0" g="0" b="0"/>
+      </a:fillRef>
+      <a:effectRef idx="0">
+        <a:scrgbClr r="0" g="0" b="0"/>
+      </a:effectRef>
+      <a:fontRef idx="minor"/>
+    </dgm:style>
+  </dgm:styleLbl>
+  <dgm:styleLbl name="bgImgPlace1">
+    <dgm:scene3d>
+      <a:camera prst="orthographicFront"/>
+      <a:lightRig rig="threePt" dir="t"/>
+    </dgm:scene3d>
+    <dgm:sp3d/>
+    <dgm:txPr/>
+    <dgm:style>
+      <a:lnRef idx="2">
+        <a:scrgbClr r="0" g="0" b="0"/>
+      </a:lnRef>
+      <a:fillRef idx="1">
+        <a:scrgbClr r="0" g="0" b="0"/>
+      </a:fillRef>
+      <a:effectRef idx="0">
+        <a:scrgbClr r="0" g="0" b="0"/>
+      </a:effectRef>
+      <a:fontRef idx="minor"/>
+    </dgm:style>
+  </dgm:styleLbl>
+  <dgm:styleLbl name="sibTrans2D1">
+    <dgm:scene3d>
+      <a:camera prst="orthographicFront"/>
+      <a:lightRig rig="threePt" dir="t"/>
+    </dgm:scene3d>
+    <dgm:sp3d/>
+    <dgm:txPr/>
+    <dgm:style>
+      <a:lnRef idx="0">
+        <a:scrgbClr r="0" g="0" b="0"/>
+      </a:lnRef>
+      <a:fillRef idx="1">
+        <a:scrgbClr r="0" g="0" b="0"/>
+      </a:fillRef>
+      <a:effectRef idx="0">
+        <a:scrgbClr r="0" g="0" b="0"/>
+      </a:effectRef>
+      <a:fontRef idx="minor">
+        <a:schemeClr val="lt1"/>
+      </a:fontRef>
+    </dgm:style>
+  </dgm:styleLbl>
+  <dgm:styleLbl name="fgSibTrans2D1">
+    <dgm:scene3d>
+      <a:camera prst="orthographicFront"/>
+      <a:lightRig rig="threePt" dir="t"/>
+    </dgm:scene3d>
+    <dgm:sp3d/>
+    <dgm:txPr/>
+    <dgm:style>
+      <a:lnRef idx="0">
+        <a:scrgbClr r="0" g="0" b="0"/>
+      </a:lnRef>
+      <a:fillRef idx="1">
+        <a:scrgbClr r="0" g="0" b="0"/>
+      </a:fillRef>
+      <a:effectRef idx="0">
+        <a:scrgbClr r="0" g="0" b="0"/>
+      </a:effectRef>
+      <a:fontRef idx="minor">
+        <a:schemeClr val="lt1"/>
+      </a:fontRef>
+    </dgm:style>
+  </dgm:styleLbl>
+  <dgm:styleLbl name="bgSibTrans2D1">
+    <dgm:scene3d>
+      <a:camera prst="orthographicFront"/>
+      <a:lightRig rig="threePt" dir="t"/>
+    </dgm:scene3d>
+    <dgm:sp3d/>
+    <dgm:txPr/>
+    <dgm:style>
+      <a:lnRef idx="0">
+        <a:scrgbClr r="0" g="0" b="0"/>
+      </a:lnRef>
+      <a:fillRef idx="1">
+        <a:scrgbClr r="0" g="0" b="0"/>
+      </a:fillRef>
+      <a:effectRef idx="0">
+        <a:scrgbClr r="0" g="0" b="0"/>
+      </a:effectRef>
+      <a:fontRef idx="minor">
+        <a:schemeClr val="lt1"/>
+      </a:fontRef>
+    </dgm:style>
+  </dgm:styleLbl>
+  <dgm:styleLbl name="sibTrans1D1">
+    <dgm:scene3d>
+      <a:camera prst="orthographicFront"/>
+      <a:lightRig rig="threePt" dir="t"/>
+    </dgm:scene3d>
+    <dgm:sp3d/>
+    <dgm:txPr/>
+    <dgm:style>
+      <a:lnRef idx="1">
+        <a:scrgbClr r="0" g="0" b="0"/>
+      </a:lnRef>
+      <a:fillRef idx="0">
+        <a:scrgbClr r="0" g="0" b="0"/>
+      </a:fillRef>
+      <a:effectRef idx="0">
+        <a:scrgbClr r="0" g="0" b="0"/>
+      </a:effectRef>
+      <a:fontRef idx="minor"/>
+    </dgm:style>
+  </dgm:styleLbl>
+  <dgm:styleLbl name="callout">
+    <dgm:scene3d>
+      <a:camera prst="orthographicFront"/>
+      <a:lightRig rig="threePt" dir="t"/>
+    </dgm:scene3d>
+    <dgm:sp3d/>
+    <dgm:txPr/>
+    <dgm:style>
+      <a:lnRef idx="2">
+        <a:scrgbClr r="0" g="0" b="0"/>
+      </a:lnRef>
+      <a:fillRef idx="1">
+        <a:scrgbClr r="0" g="0" b="0"/>
+      </a:fillRef>
+      <a:effectRef idx="0">
+        <a:scrgbClr r="0" g="0" b="0"/>
+      </a:effectRef>
+      <a:fontRef idx="minor"/>
+    </dgm:style>
+  </dgm:styleLbl>
+  <dgm:styleLbl name="asst0">
+    <dgm:scene3d>
+      <a:camera prst="orthographicFront"/>
+      <a:lightRig rig="threePt" dir="t"/>
+    </dgm:scene3d>
+    <dgm:sp3d/>
+    <dgm:txPr/>
+    <dgm:style>
+      <a:lnRef idx="2">
+        <a:scrgbClr r="0" g="0" b="0"/>
+      </a:lnRef>
+      <a:fillRef idx="1">
+        <a:scrgbClr r="0" g="0" b="0"/>
+      </a:fillRef>
+      <a:effectRef idx="0">
+        <a:scrgbClr r="0" g="0" b="0"/>
+      </a:effectRef>
+      <a:fontRef idx="minor">
+        <a:schemeClr val="lt1"/>
+      </a:fontRef>
+    </dgm:style>
+  </dgm:styleLbl>
+  <dgm:styleLbl name="asst1">
+    <dgm:scene3d>
+      <a:camera prst="orthographicFront"/>
+      <a:lightRig rig="threePt" dir="t"/>
+    </dgm:scene3d>
+    <dgm:sp3d/>
+    <dgm:txPr/>
+    <dgm:style>
+      <a:lnRef idx="2">
+        <a:scrgbClr r="0" g="0" b="0"/>
+      </a:lnRef>
+      <a:fillRef idx="1">
+        <a:scrgbClr r="0" g="0" b="0"/>
+      </a:fillRef>
+      <a:effectRef idx="0">
+        <a:scrgbClr r="0" g="0" b="0"/>
+      </a:effectRef>
+      <a:fontRef idx="minor">
+        <a:schemeClr val="lt1"/>
+      </a:fontRef>
+    </dgm:style>
+  </dgm:styleLbl>
+  <dgm:styleLbl name="asst2">
+    <dgm:scene3d>
+      <a:camera prst="orthographicFront"/>
+      <a:lightRig rig="threePt" dir="t"/>
+    </dgm:scene3d>
+    <dgm:sp3d/>
+    <dgm:txPr/>
+    <dgm:style>
+      <a:lnRef idx="2">
+        <a:scrgbClr r="0" g="0" b="0"/>
+      </a:lnRef>
+      <a:fillRef idx="1">
+        <a:scrgbClr r="0" g="0" b="0"/>
+      </a:fillRef>
+      <a:effectRef idx="0">
+        <a:scrgbClr r="0" g="0" b="0"/>
+      </a:effectRef>
+      <a:fontRef idx="minor">
+        <a:schemeClr val="lt1"/>
+      </a:fontRef>
+    </dgm:style>
+  </dgm:styleLbl>
+  <dgm:styleLbl name="asst3">
+    <dgm:scene3d>
+      <a:camera prst="orthographicFront"/>
+      <a:lightRig rig="threePt" dir="t"/>
+    </dgm:scene3d>
+    <dgm:sp3d/>
+    <dgm:txPr/>
+    <dgm:style>
+      <a:lnRef idx="2">
+        <a:scrgbClr r="0" g="0" b="0"/>
+      </a:lnRef>
+      <a:fillRef idx="1">
+        <a:scrgbClr r="0" g="0" b="0"/>
+      </a:fillRef>
+      <a:effectRef idx="0">
+        <a:scrgbClr r="0" g="0" b="0"/>
+      </a:effectRef>
+      <a:fontRef idx="minor">
+        <a:schemeClr val="lt1"/>
+      </a:fontRef>
+    </dgm:style>
+  </dgm:styleLbl>
+  <dgm:styleLbl name="asst4">
+    <dgm:scene3d>
+      <a:camera prst="orthographicFront"/>
+      <a:lightRig rig="threePt" dir="t"/>
+    </dgm:scene3d>
+    <dgm:sp3d/>
+    <dgm:txPr/>
+    <dgm:style>
+      <a:lnRef idx="2">
+        <a:scrgbClr r="0" g="0" b="0"/>
+      </a:lnRef>
+      <a:fillRef idx="1">
+        <a:scrgbClr r="0" g="0" b="0"/>
+      </a:fillRef>
+      <a:effectRef idx="0">
+        <a:scrgbClr r="0" g="0" b="0"/>
+      </a:effectRef>
+      <a:fontRef idx="minor">
+        <a:schemeClr val="lt1"/>
+      </a:fontRef>
+    </dgm:style>
+  </dgm:styleLbl>
+  <dgm:styleLbl name="parChTrans2D1">
+    <dgm:scene3d>
+      <a:camera prst="orthographicFront"/>
+      <a:lightRig rig="threePt" dir="t"/>
+    </dgm:scene3d>
+    <dgm:sp3d/>
+    <dgm:txPr/>
+    <dgm:style>
+      <a:lnRef idx="2">
+        <a:scrgbClr r="0" g="0" b="0"/>
+      </a:lnRef>
+      <a:fillRef idx="1">
+        <a:scrgbClr r="0" g="0" b="0"/>
+      </a:fillRef>
+      <a:effectRef idx="0">
+        <a:scrgbClr r="0" g="0" b="0"/>
+      </a:effectRef>
+      <a:fontRef idx="minor">
+        <a:schemeClr val="lt1"/>
+      </a:fontRef>
+    </dgm:style>
+  </dgm:styleLbl>
+  <dgm:styleLbl name="parChTrans2D2">
+    <dgm:scene3d>
+      <a:camera prst="orthographicFront"/>
+      <a:lightRig rig="threePt" dir="t"/>
+    </dgm:scene3d>
+    <dgm:sp3d/>
+    <dgm:txPr/>
+    <dgm:style>
+      <a:lnRef idx="2">
+        <a:scrgbClr r="0" g="0" b="0"/>
+      </a:lnRef>
+      <a:fillRef idx="1">
+        <a:scrgbClr r="0" g="0" b="0"/>
+      </a:fillRef>
+      <a:effectRef idx="0">
+        <a:scrgbClr r="0" g="0" b="0"/>
+      </a:effectRef>
+      <a:fontRef idx="minor">
+        <a:schemeClr val="lt1"/>
+      </a:fontRef>
+    </dgm:style>
+  </dgm:styleLbl>
+  <dgm:styleLbl name="parChTrans2D3">
+    <dgm:scene3d>
+      <a:camera prst="orthographicFront"/>
+      <a:lightRig rig="threePt" dir="t"/>
+    </dgm:scene3d>
+    <dgm:sp3d/>
+    <dgm:txPr/>
+    <dgm:style>
+      <a:lnRef idx="2">
+        <a:scrgbClr r="0" g="0" b="0"/>
+      </a:lnRef>
+      <a:fillRef idx="1">
+        <a:scrgbClr r="0" g="0" b="0"/>
+      </a:fillRef>
+      <a:effectRef idx="0">
+        <a:scrgbClr r="0" g="0" b="0"/>
+      </a:effectRef>
+      <a:fontRef idx="minor">
+        <a:schemeClr val="lt1"/>
+      </a:fontRef>
+    </dgm:style>
+  </dgm:styleLbl>
+  <dgm:styleLbl name="parChTrans2D4">
+    <dgm:scene3d>
+      <a:camera prst="orthographicFront"/>
+      <a:lightRig rig="threePt" dir="t"/>
+    </dgm:scene3d>
+    <dgm:sp3d/>
+    <dgm:txPr/>
+    <dgm:style>
+      <a:lnRef idx="2">
+        <a:scrgbClr r="0" g="0" b="0"/>
+      </a:lnRef>
+      <a:fillRef idx="1">
+        <a:scrgbClr r="0" g="0" b="0"/>
+      </a:fillRef>
+      <a:effectRef idx="0">
+        <a:scrgbClr r="0" g="0" b="0"/>
+      </a:effectRef>
+      <a:fontRef idx="minor">
+        <a:schemeClr val="lt1"/>
+      </a:fontRef>
+    </dgm:style>
+  </dgm:styleLbl>
+  <dgm:styleLbl name="parChTrans1D1">
+    <dgm:scene3d>
+      <a:camera prst="orthographicFront"/>
+      <a:lightRig rig="threePt" dir="t"/>
+    </dgm:scene3d>
+    <dgm:sp3d/>
+    <dgm:txPr/>
+    <dgm:style>
+      <a:lnRef idx="2">
+        <a:scrgbClr r="0" g="0" b="0"/>
+      </a:lnRef>
+      <a:fillRef idx="0">
+        <a:scrgbClr r="0" g="0" b="0"/>
+      </a:fillRef>
+      <a:effectRef idx="0">
+        <a:scrgbClr r="0" g="0" b="0"/>
+      </a:effectRef>
+      <a:fontRef idx="minor"/>
+    </dgm:style>
+  </dgm:styleLbl>
+  <dgm:styleLbl name="parChTrans1D2">
+    <dgm:scene3d>
+      <a:camera prst="orthographicFront"/>
+      <a:lightRig rig="threePt" dir="t"/>
+    </dgm:scene3d>
+    <dgm:sp3d/>
+    <dgm:txPr/>
+    <dgm:style>
+      <a:lnRef idx="2">
+        <a:scrgbClr r="0" g="0" b="0"/>
+      </a:lnRef>
+      <a:fillRef idx="0">
+        <a:scrgbClr r="0" g="0" b="0"/>
+      </a:fillRef>
+      <a:effectRef idx="0">
+        <a:scrgbClr r="0" g="0" b="0"/>
+      </a:effectRef>
+      <a:fontRef idx="minor"/>
+    </dgm:style>
+  </dgm:styleLbl>
+  <dgm:styleLbl name="parChTrans1D3">
+    <dgm:scene3d>
+      <a:camera prst="orthographicFront"/>
+      <a:lightRig rig="threePt" dir="t"/>
+    </dgm:scene3d>
+    <dgm:sp3d/>
+    <dgm:txPr/>
+    <dgm:style>
+      <a:lnRef idx="2">
+        <a:scrgbClr r="0" g="0" b="0"/>
+      </a:lnRef>
+      <a:fillRef idx="0">
+        <a:scrgbClr r="0" g="0" b="0"/>
+      </a:fillRef>
+      <a:effectRef idx="0">
+        <a:scrgbClr r="0" g="0" b="0"/>
+      </a:effectRef>
+      <a:fontRef idx="minor"/>
+    </dgm:style>
+  </dgm:styleLbl>
+  <dgm:styleLbl name="parChTrans1D4">
+    <dgm:scene3d>
+      <a:camera prst="orthographicFront"/>
+      <a:lightRig rig="threePt" dir="t"/>
+    </dgm:scene3d>
+    <dgm:sp3d/>
+    <dgm:txPr/>
+    <dgm:style>
+      <a:lnRef idx="2">
+        <a:scrgbClr r="0" g="0" b="0"/>
+      </a:lnRef>
+      <a:fillRef idx="0">
+        <a:scrgbClr r="0" g="0" b="0"/>
+      </a:fillRef>
+      <a:effectRef idx="0">
+        <a:scrgbClr r="0" g="0" b="0"/>
+      </a:effectRef>
+      <a:fontRef idx="minor"/>
+    </dgm:style>
+  </dgm:styleLbl>
+  <dgm:styleLbl name="fgAcc1">
+    <dgm:scene3d>
+      <a:camera prst="orthographicFront"/>
+      <a:lightRig rig="threePt" dir="t"/>
+    </dgm:scene3d>
+    <dgm:sp3d/>
+    <dgm:txPr/>
+    <dgm:style>
+      <a:lnRef idx="2">
+        <a:scrgbClr r="0" g="0" b="0"/>
+      </a:lnRef>
+      <a:fillRef idx="1">
+        <a:scrgbClr r="0" g="0" b="0"/>
+      </a:fillRef>
+      <a:effectRef idx="0">
+        <a:scrgbClr r="0" g="0" b="0"/>
+      </a:effectRef>
+      <a:fontRef idx="minor"/>
+    </dgm:style>
+  </dgm:styleLbl>
+  <dgm:styleLbl name="conFgAcc1">
+    <dgm:scene3d>
+      <a:camera prst="orthographicFront"/>
+      <a:lightRig rig="threePt" dir="t"/>
+    </dgm:scene3d>
+    <dgm:sp3d/>
+    <dgm:txPr/>
+    <dgm:style>
+      <a:lnRef idx="2">
+        <a:scrgbClr r="0" g="0" b="0"/>
+      </a:lnRef>
+      <a:fillRef idx="1">
+        <a:scrgbClr r="0" g="0" b="0"/>
+      </a:fillRef>
+      <a:effectRef idx="0">
+        <a:scrgbClr r="0" g="0" b="0"/>
+      </a:effectRef>
+      <a:fontRef idx="minor"/>
+    </dgm:style>
+  </dgm:styleLbl>
+  <dgm:styleLbl name="alignAcc1">
+    <dgm:scene3d>
+      <a:camera prst="orthographicFront"/>
+      <a:lightRig rig="threePt" dir="t"/>
+    </dgm:scene3d>
+    <dgm:sp3d/>
+    <dgm:txPr/>
+    <dgm:style>
+      <a:lnRef idx="2">
+        <a:scrgbClr r="0" g="0" b="0"/>
+      </a:lnRef>
+      <a:fillRef idx="1">
+        <a:scrgbClr r="0" g="0" b="0"/>
+      </a:fillRef>
+      <a:effectRef idx="0">
+        <a:scrgbClr r="0" g="0" b="0"/>
+      </a:effectRef>
+      <a:fontRef idx="minor"/>
+    </dgm:style>
+  </dgm:styleLbl>
+  <dgm:styleLbl name="trAlignAcc1">
+    <dgm:scene3d>
+      <a:camera prst="orthographicFront"/>
+      <a:lightRig rig="threePt" dir="t"/>
+    </dgm:scene3d>
+    <dgm:sp3d/>
+    <dgm:txPr/>
+    <dgm:style>
+      <a:lnRef idx="1">
+        <a:scrgbClr r="0" g="0" b="0"/>
+      </a:lnRef>
+      <a:fillRef idx="1">
+        <a:scrgbClr r="0" g="0" b="0"/>
+      </a:fillRef>
+      <a:effectRef idx="0">
+        <a:scrgbClr r="0" g="0" b="0"/>
+      </a:effectRef>
+      <a:fontRef idx="minor"/>
+    </dgm:style>
+  </dgm:styleLbl>
+  <dgm:styleLbl name="bgAcc1">
+    <dgm:scene3d>
+      <a:camera prst="orthographicFront"/>
+      <a:lightRig rig="threePt" dir="t"/>
+    </dgm:scene3d>
+    <dgm:sp3d/>
+    <dgm:txPr/>
+    <dgm:style>
+      <a:lnRef idx="2">
+        <a:scrgbClr r="0" g="0" b="0"/>
+      </a:lnRef>
+      <a:fillRef idx="1">
+        <a:scrgbClr r="0" g="0" b="0"/>
+      </a:fillRef>
+      <a:effectRef idx="0">
+        <a:scrgbClr r="0" g="0" b="0"/>
+      </a:effectRef>
+      <a:fontRef idx="minor"/>
+    </dgm:style>
+  </dgm:styleLbl>
+  <dgm:styleLbl name="solidFgAcc1">
+    <dgm:scene3d>
+      <a:camera prst="orthographicFront"/>
+      <a:lightRig rig="threePt" dir="t"/>
+    </dgm:scene3d>
+    <dgm:sp3d/>
+    <dgm:txPr/>
+    <dgm:style>
+      <a:lnRef idx="2">
+        <a:scrgbClr r="0" g="0" b="0"/>
+      </a:lnRef>
+      <a:fillRef idx="1">
+        <a:scrgbClr r="0" g="0" b="0"/>
+      </a:fillRef>
+      <a:effectRef idx="0">
+        <a:scrgbClr r="0" g="0" b="0"/>
+      </a:effectRef>
+      <a:fontRef idx="minor"/>
+    </dgm:style>
+  </dgm:styleLbl>
+  <dgm:styleLbl name="solidAlignAcc1">
+    <dgm:scene3d>
+      <a:camera prst="orthographicFront"/>
+      <a:lightRig rig="threePt" dir="t"/>
+    </dgm:scene3d>
+    <dgm:sp3d/>
+    <dgm:txPr/>
+    <dgm:style>
+      <a:lnRef idx="2">
+        <a:scrgbClr r="0" g="0" b="0"/>
+      </a:lnRef>
+      <a:fillRef idx="1">
+        <a:scrgbClr r="0" g="0" b="0"/>
+      </a:fillRef>
+      <a:effectRef idx="0">
+        <a:scrgbClr r="0" g="0" b="0"/>
+      </a:effectRef>
+      <a:fontRef idx="minor"/>
+    </dgm:style>
+  </dgm:styleLbl>
+  <dgm:styleLbl name="solidBgAcc1">
+    <dgm:scene3d>
+      <a:camera prst="orthographicFront"/>
+      <a:lightRig rig="threePt" dir="t"/>
+    </dgm:scene3d>
+    <dgm:sp3d/>
+    <dgm:txPr/>
+    <dgm:style>
+      <a:lnRef idx="2">
+        <a:scrgbClr r="0" g="0" b="0"/>
+      </a:lnRef>
+      <a:fillRef idx="1">
+        <a:scrgbClr r="0" g="0" b="0"/>
+      </a:fillRef>
+      <a:effectRef idx="0">
+        <a:scrgbClr r="0" g="0" b="0"/>
+      </a:effectRef>
+      <a:fontRef idx="minor"/>
+    </dgm:style>
+  </dgm:styleLbl>
+  <dgm:styleLbl name="fgAccFollowNode1">
+    <dgm:scene3d>
+      <a:camera prst="orthographicFront"/>
+      <a:lightRig rig="threePt" dir="t"/>
+    </dgm:scene3d>
+    <dgm:sp3d/>
+    <dgm:txPr/>
+    <dgm:style>
+      <a:lnRef idx="2">
+        <a:scrgbClr r="0" g="0" b="0"/>
+      </a:lnRef>
+      <a:fillRef idx="1">
+        <a:scrgbClr r="0" g="0" b="0"/>
+      </a:fillRef>
+      <a:effectRef idx="0">
+        <a:scrgbClr r="0" g="0" b="0"/>
+      </a:effectRef>
+      <a:fontRef idx="minor"/>
+    </dgm:style>
+  </dgm:styleLbl>
+  <dgm:styleLbl name="alignAccFollowNode1">
+    <dgm:scene3d>
+      <a:camera prst="orthographicFront"/>
+      <a:lightRig rig="threePt" dir="t"/>
+    </dgm:scene3d>
+    <dgm:sp3d/>
+    <dgm:txPr/>
+    <dgm:style>
+      <a:lnRef idx="2">
+        <a:scrgbClr r="0" g="0" b="0"/>
+      </a:lnRef>
+      <a:fillRef idx="1">
+        <a:scrgbClr r="0" g="0" b="0"/>
+      </a:fillRef>
+      <a:effectRef idx="0">
+        <a:scrgbClr r="0" g="0" b="0"/>
+      </a:effectRef>
+      <a:fontRef idx="minor"/>
+    </dgm:style>
+  </dgm:styleLbl>
+  <dgm:styleLbl name="bgAccFollowNode1">
+    <dgm:scene3d>
+      <a:camera prst="orthographicFront"/>
+      <a:lightRig rig="threePt" dir="t"/>
+    </dgm:scene3d>
+    <dgm:sp3d/>
+    <dgm:txPr/>
+    <dgm:style>
+      <a:lnRef idx="2">
+        <a:scrgbClr r="0" g="0" b="0"/>
+      </a:lnRef>
+      <a:fillRef idx="1">
+        <a:scrgbClr r="0" g="0" b="0"/>
+      </a:fillRef>
+      <a:effectRef idx="0">
+        <a:scrgbClr r="0" g="0" b="0"/>
+      </a:effectRef>
+      <a:fontRef idx="minor"/>
+    </dgm:style>
+  </dgm:styleLbl>
+  <dgm:styleLbl name="fgAcc0">
+    <dgm:scene3d>
+      <a:camera prst="orthographicFront"/>
+      <a:lightRig rig="threePt" dir="t"/>
+    </dgm:scene3d>
+    <dgm:sp3d/>
+    <dgm:txPr/>
+    <dgm:style>
+      <a:lnRef idx="2">
+        <a:scrgbClr r="0" g="0" b="0"/>
+      </a:lnRef>
+      <a:fillRef idx="1">
+        <a:scrgbClr r="0" g="0" b="0"/>
+      </a:fillRef>
+      <a:effectRef idx="0">
+        <a:scrgbClr r="0" g="0" b="0"/>
+      </a:effectRef>
+      <a:fontRef idx="minor"/>
+    </dgm:style>
+  </dgm:styleLbl>
+  <dgm:styleLbl name="fgAcc2">
+    <dgm:scene3d>
+      <a:camera prst="orthographicFront"/>
+      <a:lightRig rig="threePt" dir="t"/>
+    </dgm:scene3d>
+    <dgm:sp3d/>
+    <dgm:txPr/>
+    <dgm:style>
+      <a:lnRef idx="2">
+        <a:scrgbClr r="0" g="0" b="0"/>
+      </a:lnRef>
+      <a:fillRef idx="1">
+        <a:scrgbClr r="0" g="0" b="0"/>
+      </a:fillRef>
+      <a:effectRef idx="0">
+        <a:scrgbClr r="0" g="0" b="0"/>
+      </a:effectRef>
+      <a:fontRef idx="minor"/>
+    </dgm:style>
+  </dgm:styleLbl>
+  <dgm:styleLbl name="fgAcc3">
+    <dgm:scene3d>
+      <a:camera prst="orthographicFront"/>
+      <a:lightRig rig="threePt" dir="t"/>
+    </dgm:scene3d>
+    <dgm:sp3d/>
+    <dgm:txPr/>
+    <dgm:style>
+      <a:lnRef idx="2">
+        <a:scrgbClr r="0" g="0" b="0"/>
+      </a:lnRef>
+      <a:fillRef idx="1">
+        <a:scrgbClr r="0" g="0" b="0"/>
+      </a:fillRef>
+      <a:effectRef idx="0">
+        <a:scrgbClr r="0" g="0" b="0"/>
+      </a:effectRef>
+      <a:fontRef idx="minor"/>
+    </dgm:style>
+  </dgm:styleLbl>
+  <dgm:styleLbl name="fgAcc4">
+    <dgm:scene3d>
+      <a:camera prst="orthographicFront"/>
+      <a:lightRig rig="threePt" dir="t"/>
+    </dgm:scene3d>
+    <dgm:sp3d/>
+    <dgm:txPr/>
+    <dgm:style>
+      <a:lnRef idx="2">
+        <a:scrgbClr r="0" g="0" b="0"/>
+      </a:lnRef>
+      <a:fillRef idx="1">
+        <a:scrgbClr r="0" g="0" b="0"/>
+      </a:fillRef>
+      <a:effectRef idx="0">
+        <a:scrgbClr r="0" g="0" b="0"/>
+      </a:effectRef>
+      <a:fontRef idx="minor"/>
+    </dgm:style>
+  </dgm:styleLbl>
+  <dgm:styleLbl name="bgShp">
+    <dgm:scene3d>
+      <a:camera prst="orthographicFront"/>
+      <a:lightRig rig="threePt" dir="t"/>
+    </dgm:scene3d>
+    <dgm:sp3d/>
+    <dgm:txPr/>
+    <dgm:style>
+      <a:lnRef idx="0">
+        <a:scrgbClr r="0" g="0" b="0"/>
+      </a:lnRef>
+      <a:fillRef idx="1">
+        <a:scrgbClr r="0" g="0" b="0"/>
+      </a:fillRef>
+      <a:effectRef idx="0">
+        <a:scrgbClr r="0" g="0" b="0"/>
+      </a:effectRef>
+      <a:fontRef idx="minor"/>
+    </dgm:style>
+  </dgm:styleLbl>
+  <dgm:styleLbl name="dkBgShp">
+    <dgm:scene3d>
+      <a:camera prst="orthographicFront"/>
+      <a:lightRig rig="threePt" dir="t"/>
+    </dgm:scene3d>
+    <dgm:sp3d/>
+    <dgm:txPr/>
+    <dgm:style>
+      <a:lnRef idx="0">
+        <a:scrgbClr r="0" g="0" b="0"/>
+      </a:lnRef>
+      <a:fillRef idx="1">
+        <a:scrgbClr r="0" g="0" b="0"/>
+      </a:fillRef>
+      <a:effectRef idx="0">
+        <a:scrgbClr r="0" g="0" b="0"/>
+      </a:effectRef>
+      <a:fontRef idx="minor"/>
+    </dgm:style>
+  </dgm:styleLbl>
+  <dgm:styleLbl name="trBgShp">
+    <dgm:scene3d>
+      <a:camera prst="orthographicFront"/>
+      <a:lightRig rig="threePt" dir="t"/>
+    </dgm:scene3d>
+    <dgm:sp3d/>
+    <dgm:txPr/>
+    <dgm:style>
+      <a:lnRef idx="0">
+        <a:scrgbClr r="0" g="0" b="0"/>
+      </a:lnRef>
+      <a:fillRef idx="1">
+        <a:scrgbClr r="0" g="0" b="0"/>
+      </a:fillRef>
+      <a:effectRef idx="0">
+        <a:scrgbClr r="0" g="0" b="0"/>
+      </a:effectRef>
+      <a:fontRef idx="minor"/>
+    </dgm:style>
+  </dgm:styleLbl>
+  <dgm:styleLbl name="fgShp">
+    <dgm:scene3d>
+      <a:camera prst="orthographicFront"/>
+      <a:lightRig rig="threePt" dir="t"/>
+    </dgm:scene3d>
+    <dgm:sp3d/>
+    <dgm:txPr/>
+    <dgm:style>
+      <a:lnRef idx="2">
+        <a:scrgbClr r="0" g="0" b="0"/>
+      </a:lnRef>
+      <a:fillRef idx="1">
+        <a:scrgbClr r="0" g="0" b="0"/>
+      </a:fillRef>
+      <a:effectRef idx="0">
+        <a:scrgbClr r="0" g="0" b="0"/>
+      </a:effectRef>
+      <a:fontRef idx="minor"/>
+    </dgm:style>
+  </dgm:styleLbl>
+  <dgm:styleLbl name="revTx">
+    <dgm:scene3d>
+      <a:camera prst="orthographicFront"/>
+      <a:lightRig rig="threePt" dir="t"/>
+    </dgm:scene3d>
+    <dgm:sp3d/>
+    <dgm:txPr/>
+    <dgm:style>
+      <a:lnRef idx="0">
+        <a:scrgbClr r="0" g="0" b="0"/>
+      </a:lnRef>
+      <a:fillRef idx="0">
+        <a:scrgbClr r="0" g="0" b="0"/>
+      </a:fillRef>
+      <a:effectRef idx="0">
+        <a:scrgbClr r="0" g="0" b="0"/>
+      </a:effectRef>
+      <a:fontRef idx="minor"/>
+    </dgm:style>
+  </dgm:styleLbl>
+</dgm:styleDef>
+</file>
+
 <file path=ppt/notesMasters/notesMaster1.xml><?xml version="1.0" encoding="utf-8"?>
 <p:notesMaster xmlns:a="http://schemas.openxmlformats.org/drawingml/2006/main" xmlns:r="http://schemas.openxmlformats.org/officeDocument/2006/relationships" xmlns:p="http://schemas.openxmlformats.org/presentationml/2006/main">
   <p:cSld>
@@ -3355,7 +6767,7 @@
           <a:p>
             <a:fld id="{7403D398-1782-4EF6-BC57-8B1FF256CAAA}" type="datetimeFigureOut">
               <a:rPr lang="he-IL" smtClean="0"/>
-              <a:t>כ"ז/אב/תשע"ז</a:t>
+              <a:t>ג'/אלול/תשע"ז</a:t>
             </a:fld>
             <a:endParaRPr lang="he-IL"/>
           </a:p>
@@ -3848,7 +7260,7 @@
           <a:p>
             <a:fld id="{C6430DBB-9FD5-43E7-88F1-55A569E9525E}" type="datetimeFigureOut">
               <a:rPr lang="nl-BE" smtClean="0"/>
-              <a:t>19/08/2017</a:t>
+              <a:t>25/08/2017</a:t>
             </a:fld>
             <a:endParaRPr lang="nl-BE"/>
           </a:p>
@@ -4018,7 +7430,7 @@
           <a:p>
             <a:fld id="{C6430DBB-9FD5-43E7-88F1-55A569E9525E}" type="datetimeFigureOut">
               <a:rPr lang="nl-BE" smtClean="0"/>
-              <a:t>19/08/2017</a:t>
+              <a:t>25/08/2017</a:t>
             </a:fld>
             <a:endParaRPr lang="nl-BE"/>
           </a:p>
@@ -4198,7 +7610,7 @@
           <a:p>
             <a:fld id="{C6430DBB-9FD5-43E7-88F1-55A569E9525E}" type="datetimeFigureOut">
               <a:rPr lang="nl-BE" smtClean="0"/>
-              <a:t>19/08/2017</a:t>
+              <a:t>25/08/2017</a:t>
             </a:fld>
             <a:endParaRPr lang="nl-BE"/>
           </a:p>
@@ -4559,7 +7971,7 @@
           <a:p>
             <a:fld id="{C6430DBB-9FD5-43E7-88F1-55A569E9525E}" type="datetimeFigureOut">
               <a:rPr lang="nl-BE" smtClean="0"/>
-              <a:t>19/08/2017</a:t>
+              <a:t>25/08/2017</a:t>
             </a:fld>
             <a:endParaRPr lang="nl-BE"/>
           </a:p>
@@ -11300,7 +14712,7 @@
           <a:p>
             <a:fld id="{C6430DBB-9FD5-43E7-88F1-55A569E9525E}" type="datetimeFigureOut">
               <a:rPr lang="nl-BE" smtClean="0"/>
-              <a:t>19/08/2017</a:t>
+              <a:t>25/08/2017</a:t>
             </a:fld>
             <a:endParaRPr lang="nl-BE"/>
           </a:p>
@@ -11507,7 +14919,7 @@
           <a:p>
             <a:fld id="{C6430DBB-9FD5-43E7-88F1-55A569E9525E}" type="datetimeFigureOut">
               <a:rPr lang="nl-BE" smtClean="0"/>
-              <a:t>19/08/2017</a:t>
+              <a:t>25/08/2017</a:t>
             </a:fld>
             <a:endParaRPr lang="nl-BE"/>
           </a:p>
@@ -18245,7 +21657,7 @@
           <a:p>
             <a:fld id="{C6430DBB-9FD5-43E7-88F1-55A569E9525E}" type="datetimeFigureOut">
               <a:rPr lang="nl-BE" smtClean="0"/>
-              <a:t>19/08/2017</a:t>
+              <a:t>25/08/2017</a:t>
             </a:fld>
             <a:endParaRPr lang="nl-BE"/>
           </a:p>
@@ -18519,7 +21931,7 @@
           <a:p>
             <a:fld id="{C6430DBB-9FD5-43E7-88F1-55A569E9525E}" type="datetimeFigureOut">
               <a:rPr lang="nl-BE" smtClean="0"/>
-              <a:t>19/08/2017</a:t>
+              <a:t>25/08/2017</a:t>
             </a:fld>
             <a:endParaRPr lang="nl-BE"/>
           </a:p>
@@ -18922,7 +22334,7 @@
           <a:p>
             <a:fld id="{C6430DBB-9FD5-43E7-88F1-55A569E9525E}" type="datetimeFigureOut">
               <a:rPr lang="nl-BE" smtClean="0"/>
-              <a:t>19/08/2017</a:t>
+              <a:t>25/08/2017</a:t>
             </a:fld>
             <a:endParaRPr lang="nl-BE"/>
           </a:p>
@@ -19040,7 +22452,7 @@
           <a:p>
             <a:fld id="{C6430DBB-9FD5-43E7-88F1-55A569E9525E}" type="datetimeFigureOut">
               <a:rPr lang="nl-BE" smtClean="0"/>
-              <a:t>19/08/2017</a:t>
+              <a:t>25/08/2017</a:t>
             </a:fld>
             <a:endParaRPr lang="nl-BE"/>
           </a:p>
@@ -19149,7 +22561,7 @@
           <a:p>
             <a:fld id="{C6430DBB-9FD5-43E7-88F1-55A569E9525E}" type="datetimeFigureOut">
               <a:rPr lang="nl-BE" smtClean="0"/>
-              <a:t>19/08/2017</a:t>
+              <a:t>25/08/2017</a:t>
             </a:fld>
             <a:endParaRPr lang="nl-BE"/>
           </a:p>
@@ -19319,7 +22731,7 @@
           <a:p>
             <a:fld id="{C6430DBB-9FD5-43E7-88F1-55A569E9525E}" type="datetimeFigureOut">
               <a:rPr lang="nl-BE" smtClean="0"/>
-              <a:t>19/08/2017</a:t>
+              <a:t>25/08/2017</a:t>
             </a:fld>
             <a:endParaRPr lang="nl-BE"/>
           </a:p>
@@ -19611,7 +23023,7 @@
           <a:p>
             <a:fld id="{C6430DBB-9FD5-43E7-88F1-55A569E9525E}" type="datetimeFigureOut">
               <a:rPr lang="nl-BE" smtClean="0"/>
-              <a:t>19/08/2017</a:t>
+              <a:t>25/08/2017</a:t>
             </a:fld>
             <a:endParaRPr lang="nl-BE"/>
           </a:p>
@@ -19891,7 +23303,7 @@
           <a:p>
             <a:fld id="{C6430DBB-9FD5-43E7-88F1-55A569E9525E}" type="datetimeFigureOut">
               <a:rPr lang="nl-BE" smtClean="0"/>
-              <a:t>19/08/2017</a:t>
+              <a:t>25/08/2017</a:t>
             </a:fld>
             <a:endParaRPr lang="nl-BE"/>
           </a:p>
@@ -20096,7 +23508,7 @@
           <a:p>
             <a:fld id="{C6430DBB-9FD5-43E7-88F1-55A569E9525E}" type="datetimeFigureOut">
               <a:rPr lang="nl-BE" smtClean="0"/>
-              <a:t>19/08/2017</a:t>
+              <a:t>25/08/2017</a:t>
             </a:fld>
             <a:endParaRPr lang="nl-BE"/>
           </a:p>
@@ -20276,7 +23688,7 @@
           <a:p>
             <a:fld id="{C6430DBB-9FD5-43E7-88F1-55A569E9525E}" type="datetimeFigureOut">
               <a:rPr lang="nl-BE" smtClean="0"/>
-              <a:t>19/08/2017</a:t>
+              <a:t>25/08/2017</a:t>
             </a:fld>
             <a:endParaRPr lang="nl-BE"/>
           </a:p>
@@ -20440,7 +23852,7 @@
           <a:p>
             <a:fld id="{C6430DBB-9FD5-43E7-88F1-55A569E9525E}" type="datetimeFigureOut">
               <a:rPr lang="nl-BE" smtClean="0"/>
-              <a:t>19/08/2017</a:t>
+              <a:t>25/08/2017</a:t>
             </a:fld>
             <a:endParaRPr lang="nl-BE"/>
           </a:p>
@@ -20703,7 +24115,7 @@
           <a:p>
             <a:fld id="{C6430DBB-9FD5-43E7-88F1-55A569E9525E}" type="datetimeFigureOut">
               <a:rPr lang="nl-BE" smtClean="0"/>
-              <a:t>19/08/2017</a:t>
+              <a:t>25/08/2017</a:t>
             </a:fld>
             <a:endParaRPr lang="nl-BE"/>
           </a:p>
@@ -20935,7 +24347,7 @@
           <a:p>
             <a:fld id="{C6430DBB-9FD5-43E7-88F1-55A569E9525E}" type="datetimeFigureOut">
               <a:rPr lang="nl-BE" smtClean="0"/>
-              <a:t>19/08/2017</a:t>
+              <a:t>25/08/2017</a:t>
             </a:fld>
             <a:endParaRPr lang="nl-BE"/>
           </a:p>
@@ -21282,7 +24694,7 @@
           <a:p>
             <a:fld id="{C6430DBB-9FD5-43E7-88F1-55A569E9525E}" type="datetimeFigureOut">
               <a:rPr lang="nl-BE" smtClean="0"/>
-              <a:t>19/08/2017</a:t>
+              <a:t>25/08/2017</a:t>
             </a:fld>
             <a:endParaRPr lang="nl-BE"/>
           </a:p>
@@ -21400,7 +24812,7 @@
           <a:p>
             <a:fld id="{C6430DBB-9FD5-43E7-88F1-55A569E9525E}" type="datetimeFigureOut">
               <a:rPr lang="nl-BE" smtClean="0"/>
-              <a:t>19/08/2017</a:t>
+              <a:t>25/08/2017</a:t>
             </a:fld>
             <a:endParaRPr lang="nl-BE"/>
           </a:p>
@@ -21518,7 +24930,7 @@
           <a:p>
             <a:fld id="{C6430DBB-9FD5-43E7-88F1-55A569E9525E}" type="datetimeFigureOut">
               <a:rPr lang="nl-BE" smtClean="0"/>
-              <a:t>19/08/2017</a:t>
+              <a:t>25/08/2017</a:t>
             </a:fld>
             <a:endParaRPr lang="nl-BE"/>
           </a:p>
@@ -21802,7 +25214,7 @@
           <a:p>
             <a:fld id="{C6430DBB-9FD5-43E7-88F1-55A569E9525E}" type="datetimeFigureOut">
               <a:rPr lang="nl-BE" smtClean="0"/>
-              <a:t>19/08/2017</a:t>
+              <a:t>25/08/2017</a:t>
             </a:fld>
             <a:endParaRPr lang="nl-BE"/>
           </a:p>
@@ -22066,7 +25478,7 @@
           <a:p>
             <a:fld id="{C6430DBB-9FD5-43E7-88F1-55A569E9525E}" type="datetimeFigureOut">
               <a:rPr lang="nl-BE" smtClean="0"/>
-              <a:t>19/08/2017</a:t>
+              <a:t>25/08/2017</a:t>
             </a:fld>
             <a:endParaRPr lang="nl-BE"/>
           </a:p>
@@ -22289,7 +25701,7 @@
           <a:p>
             <a:fld id="{C6430DBB-9FD5-43E7-88F1-55A569E9525E}" type="datetimeFigureOut">
               <a:rPr lang="nl-BE" smtClean="0"/>
-              <a:t>19/08/2017</a:t>
+              <a:t>25/08/2017</a:t>
             </a:fld>
             <a:endParaRPr lang="nl-BE"/>
           </a:p>
@@ -22830,7 +26242,7 @@
           <a:p>
             <a:fld id="{C6430DBB-9FD5-43E7-88F1-55A569E9525E}" type="datetimeFigureOut">
               <a:rPr lang="nl-BE" smtClean="0"/>
-              <a:t>19/08/2017</a:t>
+              <a:t>25/08/2017</a:t>
             </a:fld>
             <a:endParaRPr lang="nl-BE"/>
           </a:p>
@@ -23722,7 +27134,7 @@
         </p:nvSpPr>
         <p:spPr>
           <a:xfrm>
-            <a:off x="4944818" y="170069"/>
+            <a:off x="4711248" y="2098079"/>
             <a:ext cx="3274623" cy="923330"/>
           </a:xfrm>
           <a:prstGeom prst="rect">
@@ -23967,6 +27379,149 @@
     <p:extLst>
       <p:ext uri="{BB962C8B-B14F-4D97-AF65-F5344CB8AC3E}">
         <p14:creationId xmlns:p14="http://schemas.microsoft.com/office/powerpoint/2010/main" val="3078218580"/>
+      </p:ext>
+    </p:extLst>
+  </p:cSld>
+  <p:clrMapOvr>
+    <a:masterClrMapping/>
+  </p:clrMapOvr>
+</p:sld>
+</file>
+
+<file path=ppt/slides/slide11.xml><?xml version="1.0" encoding="utf-8"?>
+<p:sld xmlns:a="http://schemas.openxmlformats.org/drawingml/2006/main" xmlns:r="http://schemas.openxmlformats.org/officeDocument/2006/relationships" xmlns:p="http://schemas.openxmlformats.org/presentationml/2006/main">
+  <p:cSld>
+    <p:spTree>
+      <p:nvGrpSpPr>
+        <p:cNvPr id="1" name=""/>
+        <p:cNvGrpSpPr/>
+        <p:nvPr/>
+      </p:nvGrpSpPr>
+      <p:grpSpPr>
+        <a:xfrm>
+          <a:off x="0" y="0"/>
+          <a:ext cx="0" cy="0"/>
+          <a:chOff x="0" y="0"/>
+          <a:chExt cx="0" cy="0"/>
+        </a:xfrm>
+      </p:grpSpPr>
+      <p:pic>
+        <p:nvPicPr>
+          <p:cNvPr id="6" name="תמונה 5">
+            <a:extLst>
+              <a:ext uri="{FF2B5EF4-FFF2-40B4-BE49-F238E27FC236}">
+                <a16:creationId xmlns:a16="http://schemas.microsoft.com/office/drawing/2014/main" id="{8089C325-43C6-4564-BFC5-6465277345C6}"/>
+              </a:ext>
+            </a:extLst>
+          </p:cNvPr>
+          <p:cNvPicPr>
+            <a:picLocks noChangeAspect="1"/>
+          </p:cNvPicPr>
+          <p:nvPr/>
+        </p:nvPicPr>
+        <p:blipFill>
+          <a:blip r:embed="rId2">
+            <a:extLst>
+              <a:ext uri="{28A0092B-C50C-407E-A947-70E740481C1C}">
+                <a14:useLocalDpi xmlns:a14="http://schemas.microsoft.com/office/drawing/2010/main" val="0"/>
+              </a:ext>
+            </a:extLst>
+          </a:blip>
+          <a:stretch>
+            <a:fillRect/>
+          </a:stretch>
+        </p:blipFill>
+        <p:spPr>
+          <a:xfrm>
+            <a:off x="-81747" y="39942"/>
+            <a:ext cx="2692524" cy="659026"/>
+          </a:xfrm>
+          <a:prstGeom prst="rect">
+            <a:avLst/>
+          </a:prstGeom>
+        </p:spPr>
+      </p:pic>
+      <p:graphicFrame>
+        <p:nvGraphicFramePr>
+          <p:cNvPr id="9" name="דיאגרמה 8">
+            <a:extLst>
+              <a:ext uri="{FF2B5EF4-FFF2-40B4-BE49-F238E27FC236}">
+                <a16:creationId xmlns:a16="http://schemas.microsoft.com/office/drawing/2014/main" id="{44F904DD-5852-4EBA-8AE0-CA41203AC3C6}"/>
+              </a:ext>
+            </a:extLst>
+          </p:cNvPr>
+          <p:cNvGraphicFramePr/>
+          <p:nvPr>
+            <p:extLst>
+              <p:ext uri="{D42A27DB-BD31-4B8C-83A1-F6EECF244321}">
+                <p14:modId xmlns:p14="http://schemas.microsoft.com/office/powerpoint/2010/main" val="1366574821"/>
+              </p:ext>
+            </p:extLst>
+          </p:nvPr>
+        </p:nvGraphicFramePr>
+        <p:xfrm>
+          <a:off x="1524000" y="1397000"/>
+          <a:ext cx="6096000" cy="4064000"/>
+        </p:xfrm>
+        <a:graphic>
+          <a:graphicData uri="http://schemas.openxmlformats.org/drawingml/2006/diagram">
+            <dgm:relIds xmlns:dgm="http://schemas.openxmlformats.org/drawingml/2006/diagram" xmlns:r="http://schemas.openxmlformats.org/officeDocument/2006/relationships" r:dm="rId3" r:lo="rId4" r:qs="rId5" r:cs="rId6"/>
+          </a:graphicData>
+        </a:graphic>
+      </p:graphicFrame>
+      <p:sp>
+        <p:nvSpPr>
+          <p:cNvPr id="3" name="TextBox 2">
+            <a:extLst>
+              <a:ext uri="{FF2B5EF4-FFF2-40B4-BE49-F238E27FC236}">
+                <a16:creationId xmlns:a16="http://schemas.microsoft.com/office/drawing/2014/main" id="{4EB29123-5244-4231-8219-92B2CAF87147}"/>
+              </a:ext>
+            </a:extLst>
+          </p:cNvPr>
+          <p:cNvSpPr txBox="1"/>
+          <p:nvPr/>
+        </p:nvSpPr>
+        <p:spPr>
+          <a:xfrm>
+            <a:off x="2912166" y="223630"/>
+            <a:ext cx="3781838" cy="646331"/>
+          </a:xfrm>
+          <a:prstGeom prst="rect">
+            <a:avLst/>
+          </a:prstGeom>
+        </p:spPr>
+        <p:style>
+          <a:lnRef idx="0">
+            <a:schemeClr val="accent2"/>
+          </a:lnRef>
+          <a:fillRef idx="3">
+            <a:schemeClr val="accent2"/>
+          </a:fillRef>
+          <a:effectRef idx="3">
+            <a:schemeClr val="accent2"/>
+          </a:effectRef>
+          <a:fontRef idx="minor">
+            <a:schemeClr val="lt1"/>
+          </a:fontRef>
+        </p:style>
+        <p:txBody>
+          <a:bodyPr wrap="square" rtlCol="1">
+            <a:spAutoFit/>
+          </a:bodyPr>
+          <a:lstStyle/>
+          <a:p>
+            <a:r>
+              <a:rPr lang="en-US" sz="3600" dirty="0"/>
+              <a:t>SmartArt Diagram</a:t>
+            </a:r>
+            <a:endParaRPr lang="he-IL" sz="3600" dirty="0"/>
+          </a:p>
+        </p:txBody>
+      </p:sp>
+    </p:spTree>
+    <p:extLst>
+      <p:ext uri="{BB962C8B-B14F-4D97-AF65-F5344CB8AC3E}">
+        <p14:creationId xmlns:p14="http://schemas.microsoft.com/office/powerpoint/2010/main" val="2478922967"/>
       </p:ext>
     </p:extLst>
   </p:cSld>
@@ -26238,10 +29793,6 @@
           <a:lstStyle/>
           <a:p>
             <a:pPr algn="ctr"/>
-            <a:r>
-              <a:rPr lang="en-US" dirty="0"/>
-              <a:t>Not supported shape</a:t>
-            </a:r>
             <a:endParaRPr lang="he-IL" dirty="0"/>
           </a:p>
         </p:txBody>
@@ -26328,6 +29879,56 @@
           </a:prstGeom>
         </p:spPr>
       </p:pic>
+      <p:sp>
+        <p:nvSpPr>
+          <p:cNvPr id="12" name="לוחית 11">
+            <a:extLst>
+              <a:ext uri="{FF2B5EF4-FFF2-40B4-BE49-F238E27FC236}">
+                <a16:creationId xmlns:a16="http://schemas.microsoft.com/office/drawing/2014/main" id="{F3E287CF-B68E-4A8F-918E-EA3C0A5FC283}"/>
+              </a:ext>
+            </a:extLst>
+          </p:cNvPr>
+          <p:cNvSpPr/>
+          <p:nvPr/>
+        </p:nvSpPr>
+        <p:spPr>
+          <a:xfrm>
+            <a:off x="521804" y="1446143"/>
+            <a:ext cx="2088973" cy="1933161"/>
+          </a:xfrm>
+          <a:prstGeom prst="plaque">
+            <a:avLst/>
+          </a:prstGeom>
+        </p:spPr>
+        <p:style>
+          <a:lnRef idx="2">
+            <a:schemeClr val="accent1">
+              <a:shade val="50000"/>
+            </a:schemeClr>
+          </a:lnRef>
+          <a:fillRef idx="1">
+            <a:schemeClr val="accent1"/>
+          </a:fillRef>
+          <a:effectRef idx="0">
+            <a:schemeClr val="accent1"/>
+          </a:effectRef>
+          <a:fontRef idx="minor">
+            <a:schemeClr val="lt1"/>
+          </a:fontRef>
+        </p:style>
+        <p:txBody>
+          <a:bodyPr rtlCol="1" anchor="ctr"/>
+          <a:lstStyle/>
+          <a:p>
+            <a:pPr algn="ctr"/>
+            <a:r>
+              <a:rPr lang="en-US"/>
+              <a:t>Not supported shape</a:t>
+            </a:r>
+            <a:endParaRPr lang="he-IL" dirty="0"/>
+          </a:p>
+        </p:txBody>
+      </p:sp>
     </p:spTree>
     <p:extLst>
       <p:ext uri="{BB962C8B-B14F-4D97-AF65-F5344CB8AC3E}">
@@ -27259,7 +30860,9 @@
           <a:blipFill dpi="0" rotWithShape="1">
             <a:blip r:embed="rId5"/>
             <a:srcRect/>
-            <a:tile tx="0" ty="0" sx="100000" sy="100000" flip="none" algn="tl"/>
+            <a:stretch>
+              <a:fillRect/>
+            </a:stretch>
           </a:blipFill>
         </p:spPr>
         <p:style>
@@ -28887,14 +32490,14 @@
           <p:nvPr>
             <p:extLst>
               <p:ext uri="{D42A27DB-BD31-4B8C-83A1-F6EECF244321}">
-                <p14:modId xmlns:p14="http://schemas.microsoft.com/office/powerpoint/2010/main" val="62972574"/>
+                <p14:modId xmlns:p14="http://schemas.microsoft.com/office/powerpoint/2010/main" val="1422021286"/>
               </p:ext>
             </p:extLst>
           </p:nvPr>
         </p:nvGraphicFramePr>
         <p:xfrm>
-          <a:off x="1471061" y="304532"/>
-          <a:ext cx="6096000" cy="4064000"/>
+          <a:off x="1471061" y="1013790"/>
+          <a:ext cx="6096000" cy="3354741"/>
         </p:xfrm>
         <a:graphic>
           <a:graphicData uri="http://schemas.openxmlformats.org/drawingml/2006/chart">
@@ -29017,7 +32620,7 @@
         </p:nvSpPr>
         <p:spPr>
           <a:xfrm rot="1342915">
-            <a:off x="5760720" y="3451726"/>
+            <a:off x="6451489" y="3231917"/>
             <a:ext cx="1299411" cy="1101024"/>
           </a:xfrm>
           <a:prstGeom prst="triangle">
